--- a/resume/resume.pptx
+++ b/resume/resume.pptx
@@ -19627,7 +19627,7 @@
               </a:lnSpc>
             </a:pPr>
             <a:r>
-              <a:rPr lang="ja-JP" altLang="en-US" sz="1100" b="1" kern="100" dirty="0">
+              <a:rPr lang="ja-JP" altLang="en-US" sz="1140" b="1" kern="100" dirty="0">
                 <a:solidFill>
                   <a:srgbClr val="000000"/>
                 </a:solidFill>
@@ -20455,7 +20455,7 @@
               </a:lnSpc>
             </a:pPr>
             <a:r>
-              <a:rPr lang="ja-JP" altLang="en-US" sz="1100" b="1" kern="100" dirty="0">
+              <a:rPr lang="ja-JP" altLang="en-US" sz="1140" b="1" kern="100" dirty="0">
                 <a:solidFill>
                   <a:srgbClr val="000000"/>
                 </a:solidFill>
@@ -27406,6 +27406,15 @@
 </file>
 
 <file path=customXml/item1.xml><?xml version="1.0" encoding="utf-8"?>
+<?mso-contentType ?>
+<FormTemplates xmlns="http://schemas.microsoft.com/sharepoint/v3/contenttype/forms">
+  <Display>DocumentLibraryForm</Display>
+  <Edit>DocumentLibraryForm</Edit>
+  <New>DocumentLibraryForm</New>
+</FormTemplates>
+</file>
+
+<file path=customXml/item2.xml><?xml version="1.0" encoding="utf-8"?>
 <ct:contentTypeSchema xmlns:ct="http://schemas.microsoft.com/office/2006/metadata/contentType" xmlns:ma="http://schemas.microsoft.com/office/2006/metadata/properties/metaAttributes" ct:_="" ma:_="" ma:contentTypeName="ドキュメント" ma:contentTypeID="0x01010034E697B4F18EEE44A15B5C6C38C92815" ma:contentTypeVersion="11" ma:contentTypeDescription="新しいドキュメントを作成します。" ma:contentTypeScope="" ma:versionID="f02169faaebe6f896e6c97b42f8185dd">
   <xsd:schema xmlns:xsd="http://www.w3.org/2001/XMLSchema" xmlns:xs="http://www.w3.org/2001/XMLSchema" xmlns:p="http://schemas.microsoft.com/office/2006/metadata/properties" xmlns:ns1="http://schemas.microsoft.com/sharepoint/v3" xmlns:ns3="83735b65-6140-42df-8261-6373d86f40dd" xmlns:ns4="b35736d5-ed44-4210-a125-aa96e224a98b" targetNamespace="http://schemas.microsoft.com/office/2006/metadata/properties" ma:root="true" ma:fieldsID="4c79d5b265da02c60d48b095568fbe81" ns1:_="" ns3:_="" ns4:_="">
     <xsd:import namespace="http://schemas.microsoft.com/sharepoint/v3"/>
@@ -27619,15 +27628,6 @@
 </ct:contentTypeSchema>
 </file>
 
-<file path=customXml/item2.xml><?xml version="1.0" encoding="utf-8"?>
-<?mso-contentType ?>
-<FormTemplates xmlns="http://schemas.microsoft.com/sharepoint/v3/contenttype/forms">
-  <Display>DocumentLibraryForm</Display>
-  <Edit>DocumentLibraryForm</Edit>
-  <New>DocumentLibraryForm</New>
-</FormTemplates>
-</file>
-
 <file path=customXml/item3.xml><?xml version="1.0" encoding="utf-8"?>
 <p:properties xmlns:p="http://schemas.microsoft.com/office/2006/metadata/properties" xmlns:xsi="http://www.w3.org/2001/XMLSchema-instance" xmlns:pc="http://schemas.microsoft.com/office/infopath/2007/PartnerControls">
   <documentManagement>
@@ -27638,6 +27638,14 @@
 </file>
 
 <file path=customXml/itemProps1.xml><?xml version="1.0" encoding="utf-8"?>
+<ds:datastoreItem xmlns:ds="http://schemas.openxmlformats.org/officeDocument/2006/customXml" ds:itemID="{BFA58EFF-92B7-407B-BCF9-9A910BB1AE2A}">
+  <ds:schemaRefs>
+    <ds:schemaRef ds:uri="http://schemas.microsoft.com/sharepoint/v3/contenttype/forms"/>
+  </ds:schemaRefs>
+</ds:datastoreItem>
+</file>
+
+<file path=customXml/itemProps2.xml><?xml version="1.0" encoding="utf-8"?>
 <ds:datastoreItem xmlns:ds="http://schemas.openxmlformats.org/officeDocument/2006/customXml" ds:itemID="{09E9C5D5-66F7-4CFF-846F-47943B8C0CA8}">
   <ds:schemaRefs>
     <ds:schemaRef ds:uri="http://schemas.microsoft.com/office/2006/metadata/contentType"/>
@@ -27653,14 +27661,6 @@
     <ds:schemaRef ds:uri="http://purl.org/dc/elements/1.1/"/>
     <ds:schemaRef ds:uri="http://purl.org/dc/terms/"/>
     <ds:schemaRef ds:uri="http://schemas.microsoft.com/internal/obd"/>
-  </ds:schemaRefs>
-</ds:datastoreItem>
-</file>
-
-<file path=customXml/itemProps2.xml><?xml version="1.0" encoding="utf-8"?>
-<ds:datastoreItem xmlns:ds="http://schemas.openxmlformats.org/officeDocument/2006/customXml" ds:itemID="{BFA58EFF-92B7-407B-BCF9-9A910BB1AE2A}">
-  <ds:schemaRefs>
-    <ds:schemaRef ds:uri="http://schemas.microsoft.com/sharepoint/v3/contenttype/forms"/>
   </ds:schemaRefs>
 </ds:datastoreItem>
 </file>

--- a/resume/resume.pptx
+++ b/resume/resume.pptx
@@ -18,9 +18,9 @@
     <p:sldId id="292" r:id="rId12"/>
     <p:sldId id="293" r:id="rId13"/>
     <p:sldId id="288" r:id="rId14"/>
-    <p:sldId id="294" r:id="rId15"/>
-    <p:sldId id="295" r:id="rId16"/>
-    <p:sldId id="296" r:id="rId17"/>
+    <p:sldId id="296" r:id="rId15"/>
+    <p:sldId id="294" r:id="rId16"/>
+    <p:sldId id="295" r:id="rId17"/>
     <p:sldId id="282" r:id="rId18"/>
     <p:sldId id="283" r:id="rId19"/>
     <p:sldId id="284" r:id="rId20"/>
@@ -214,7 +214,7 @@
           <a:p>
             <a:fld id="{5C76E9B6-B893-4B8C-B80D-BB04ED91DC3B}" type="datetimeFigureOut">
               <a:rPr kumimoji="1" lang="ja-JP" altLang="en-US" smtClean="0"/>
-              <a:t>2020/8/4</a:t>
+              <a:t>2021/1/5</a:t>
             </a:fld>
             <a:endParaRPr kumimoji="1" lang="ja-JP" altLang="en-US"/>
           </a:p>
@@ -733,7 +733,7 @@
           <a:p>
             <a:fld id="{FE6F9DA0-C4D7-4975-82BC-84B2032362F1}" type="datetimeFigureOut">
               <a:rPr kumimoji="1" lang="ja-JP" altLang="en-US" smtClean="0"/>
-              <a:t>2020/8/4</a:t>
+              <a:t>2021/1/5</a:t>
             </a:fld>
             <a:endParaRPr kumimoji="1" lang="ja-JP" altLang="en-US"/>
           </a:p>
@@ -935,7 +935,7 @@
           <a:p>
             <a:fld id="{FE6F9DA0-C4D7-4975-82BC-84B2032362F1}" type="datetimeFigureOut">
               <a:rPr kumimoji="1" lang="ja-JP" altLang="en-US" smtClean="0"/>
-              <a:t>2020/8/4</a:t>
+              <a:t>2021/1/5</a:t>
             </a:fld>
             <a:endParaRPr kumimoji="1" lang="ja-JP" altLang="en-US"/>
           </a:p>
@@ -1147,7 +1147,7 @@
           <a:p>
             <a:fld id="{FE6F9DA0-C4D7-4975-82BC-84B2032362F1}" type="datetimeFigureOut">
               <a:rPr kumimoji="1" lang="ja-JP" altLang="en-US" smtClean="0"/>
-              <a:t>2020/8/4</a:t>
+              <a:t>2021/1/5</a:t>
             </a:fld>
             <a:endParaRPr kumimoji="1" lang="ja-JP" altLang="en-US"/>
           </a:p>
@@ -1349,7 +1349,7 @@
           <a:p>
             <a:fld id="{FE6F9DA0-C4D7-4975-82BC-84B2032362F1}" type="datetimeFigureOut">
               <a:rPr kumimoji="1" lang="ja-JP" altLang="en-US" smtClean="0"/>
-              <a:t>2020/8/4</a:t>
+              <a:t>2021/1/5</a:t>
             </a:fld>
             <a:endParaRPr kumimoji="1" lang="ja-JP" altLang="en-US"/>
           </a:p>
@@ -1593,7 +1593,7 @@
           <a:p>
             <a:fld id="{FE6F9DA0-C4D7-4975-82BC-84B2032362F1}" type="datetimeFigureOut">
               <a:rPr kumimoji="1" lang="ja-JP" altLang="en-US" smtClean="0"/>
-              <a:t>2020/8/4</a:t>
+              <a:t>2021/1/5</a:t>
             </a:fld>
             <a:endParaRPr kumimoji="1" lang="ja-JP" altLang="en-US"/>
           </a:p>
@@ -1889,7 +1889,7 @@
           <a:p>
             <a:fld id="{FE6F9DA0-C4D7-4975-82BC-84B2032362F1}" type="datetimeFigureOut">
               <a:rPr kumimoji="1" lang="ja-JP" altLang="en-US" smtClean="0"/>
-              <a:t>2020/8/4</a:t>
+              <a:t>2021/1/5</a:t>
             </a:fld>
             <a:endParaRPr kumimoji="1" lang="ja-JP" altLang="en-US"/>
           </a:p>
@@ -2320,7 +2320,7 @@
           <a:p>
             <a:fld id="{FE6F9DA0-C4D7-4975-82BC-84B2032362F1}" type="datetimeFigureOut">
               <a:rPr kumimoji="1" lang="ja-JP" altLang="en-US" smtClean="0"/>
-              <a:t>2020/8/4</a:t>
+              <a:t>2021/1/5</a:t>
             </a:fld>
             <a:endParaRPr kumimoji="1" lang="ja-JP" altLang="en-US"/>
           </a:p>
@@ -2438,7 +2438,7 @@
           <a:p>
             <a:fld id="{FE6F9DA0-C4D7-4975-82BC-84B2032362F1}" type="datetimeFigureOut">
               <a:rPr kumimoji="1" lang="ja-JP" altLang="en-US" smtClean="0"/>
-              <a:t>2020/8/4</a:t>
+              <a:t>2021/1/5</a:t>
             </a:fld>
             <a:endParaRPr kumimoji="1" lang="ja-JP" altLang="en-US"/>
           </a:p>
@@ -2533,7 +2533,7 @@
           <a:p>
             <a:fld id="{FE6F9DA0-C4D7-4975-82BC-84B2032362F1}" type="datetimeFigureOut">
               <a:rPr kumimoji="1" lang="ja-JP" altLang="en-US" smtClean="0"/>
-              <a:t>2020/8/4</a:t>
+              <a:t>2021/1/5</a:t>
             </a:fld>
             <a:endParaRPr kumimoji="1" lang="ja-JP" altLang="en-US"/>
           </a:p>
@@ -2842,7 +2842,7 @@
           <a:p>
             <a:fld id="{FE6F9DA0-C4D7-4975-82BC-84B2032362F1}" type="datetimeFigureOut">
               <a:rPr kumimoji="1" lang="ja-JP" altLang="en-US" smtClean="0"/>
-              <a:t>2020/8/4</a:t>
+              <a:t>2021/1/5</a:t>
             </a:fld>
             <a:endParaRPr kumimoji="1" lang="ja-JP" altLang="en-US"/>
           </a:p>
@@ -3099,7 +3099,7 @@
           <a:p>
             <a:fld id="{FE6F9DA0-C4D7-4975-82BC-84B2032362F1}" type="datetimeFigureOut">
               <a:rPr kumimoji="1" lang="ja-JP" altLang="en-US" smtClean="0"/>
-              <a:t>2020/8/4</a:t>
+              <a:t>2021/1/5</a:t>
             </a:fld>
             <a:endParaRPr kumimoji="1" lang="ja-JP" altLang="en-US"/>
           </a:p>
@@ -3344,7 +3344,7 @@
           <a:p>
             <a:fld id="{FE6F9DA0-C4D7-4975-82BC-84B2032362F1}" type="datetimeFigureOut">
               <a:rPr kumimoji="1" lang="ja-JP" altLang="en-US" smtClean="0"/>
-              <a:t>2020/8/4</a:t>
+              <a:t>2021/1/5</a:t>
             </a:fld>
             <a:endParaRPr kumimoji="1" lang="ja-JP" altLang="en-US"/>
           </a:p>
@@ -5636,7 +5636,7 @@
                 <a:latin typeface="メイリオ" panose="020B0604030504040204" pitchFamily="50" charset="-128"/>
                 <a:ea typeface="メイリオ" panose="020B0604030504040204" pitchFamily="50" charset="-128"/>
               </a:rPr>
-              <a:t>マネジメント実績（</a:t>
+              <a:t>採用・マネジメント実績（</a:t>
             </a:r>
             <a:r>
               <a:rPr lang="en-US" altLang="ja-JP" sz="2000" dirty="0">
@@ -5647,6 +5647,1737 @@
                 <a:ea typeface="メイリオ" panose="020B0604030504040204" pitchFamily="50" charset="-128"/>
               </a:rPr>
               <a:t>1/3</a:t>
+            </a:r>
+            <a:r>
+              <a:rPr lang="ja-JP" altLang="en-US" sz="2000" dirty="0">
+                <a:solidFill>
+                  <a:schemeClr val="bg1"/>
+                </a:solidFill>
+                <a:latin typeface="メイリオ" panose="020B0604030504040204" pitchFamily="50" charset="-128"/>
+                <a:ea typeface="メイリオ" panose="020B0604030504040204" pitchFamily="50" charset="-128"/>
+              </a:rPr>
+              <a:t>）</a:t>
+            </a:r>
+            <a:endParaRPr lang="en-US" altLang="ja-JP" sz="2000" dirty="0">
+              <a:solidFill>
+                <a:schemeClr val="bg1"/>
+              </a:solidFill>
+              <a:latin typeface="メイリオ" panose="020B0604030504040204" pitchFamily="50" charset="-128"/>
+              <a:ea typeface="メイリオ" panose="020B0604030504040204" pitchFamily="50" charset="-128"/>
+            </a:endParaRPr>
+          </a:p>
+        </p:txBody>
+      </p:sp>
+      <p:sp>
+        <p:nvSpPr>
+          <p:cNvPr id="37" name="正方形/長方形 36">
+            <a:extLst>
+              <a:ext uri="{FF2B5EF4-FFF2-40B4-BE49-F238E27FC236}">
+                <a16:creationId xmlns:a16="http://schemas.microsoft.com/office/drawing/2014/main" id="{366C01F1-DCCB-4531-BC8D-F1B08A1B420F}"/>
+              </a:ext>
+            </a:extLst>
+          </p:cNvPr>
+          <p:cNvSpPr/>
+          <p:nvPr/>
+        </p:nvSpPr>
+        <p:spPr>
+          <a:xfrm>
+            <a:off x="269663" y="1146017"/>
+            <a:ext cx="6897336" cy="307777"/>
+          </a:xfrm>
+          <a:prstGeom prst="rect">
+            <a:avLst/>
+          </a:prstGeom>
+        </p:spPr>
+        <p:txBody>
+          <a:bodyPr wrap="square">
+            <a:spAutoFit/>
+          </a:bodyPr>
+          <a:lstStyle/>
+          <a:p>
+            <a:pPr algn="just">
+              <a:lnSpc>
+                <a:spcPts val="1625"/>
+              </a:lnSpc>
+            </a:pPr>
+            <a:r>
+              <a:rPr lang="en-US" altLang="ja-JP" sz="1600" b="1" dirty="0">
+                <a:latin typeface="メイリオ" panose="020B0604030504040204" pitchFamily="50" charset="-128"/>
+                <a:ea typeface="メイリオ" panose="020B0604030504040204" pitchFamily="50" charset="-128"/>
+              </a:rPr>
+              <a:t>SES</a:t>
+            </a:r>
+            <a:r>
+              <a:rPr lang="ja-JP" altLang="en-US" sz="1600" b="1" dirty="0">
+                <a:latin typeface="メイリオ" panose="020B0604030504040204" pitchFamily="50" charset="-128"/>
+                <a:ea typeface="メイリオ" panose="020B0604030504040204" pitchFamily="50" charset="-128"/>
+              </a:rPr>
+              <a:t>面談による人材の選定</a:t>
+            </a:r>
+          </a:p>
+        </p:txBody>
+      </p:sp>
+      <p:sp>
+        <p:nvSpPr>
+          <p:cNvPr id="38" name="正方形/長方形 37">
+            <a:extLst>
+              <a:ext uri="{FF2B5EF4-FFF2-40B4-BE49-F238E27FC236}">
+                <a16:creationId xmlns:a16="http://schemas.microsoft.com/office/drawing/2014/main" id="{29E7BD35-E259-462C-9BCE-1E44DC9335E1}"/>
+              </a:ext>
+            </a:extLst>
+          </p:cNvPr>
+          <p:cNvSpPr/>
+          <p:nvPr/>
+        </p:nvSpPr>
+        <p:spPr bwMode="auto">
+          <a:xfrm>
+            <a:off x="1150740" y="2438485"/>
+            <a:ext cx="2371726" cy="2397814"/>
+          </a:xfrm>
+          <a:prstGeom prst="rect">
+            <a:avLst/>
+          </a:prstGeom>
+          <a:noFill/>
+          <a:ln w="9525" cap="flat" cmpd="sng" algn="ctr">
+            <a:solidFill>
+              <a:schemeClr val="accent1"/>
+            </a:solidFill>
+            <a:prstDash val="solid"/>
+            <a:round/>
+            <a:headEnd type="none" w="med" len="med"/>
+            <a:tailEnd type="none" w="med" len="med"/>
+          </a:ln>
+          <a:effectLst/>
+        </p:spPr>
+        <p:txBody>
+          <a:bodyPr vert="horz" wrap="square" lIns="74295" tIns="37148" rIns="74295" bIns="37148" numCol="1" rtlCol="0" anchor="ctr" anchorCtr="0" compatLnSpc="1">
+            <a:prstTxWarp prst="textNoShape">
+              <a:avLst/>
+            </a:prstTxWarp>
+          </a:bodyPr>
+          <a:lstStyle/>
+          <a:p>
+            <a:pPr algn="ctr" defTabSz="777737"/>
+            <a:endParaRPr lang="ja-JP" altLang="en-US" sz="731" dirty="0">
+              <a:solidFill>
+                <a:schemeClr val="bg1"/>
+              </a:solidFill>
+              <a:latin typeface="メイリオ" pitchFamily="50" charset="-128"/>
+              <a:ea typeface="メイリオ" pitchFamily="50" charset="-128"/>
+              <a:cs typeface="メイリオ" pitchFamily="50" charset="-128"/>
+            </a:endParaRPr>
+          </a:p>
+        </p:txBody>
+      </p:sp>
+      <p:pic>
+        <p:nvPicPr>
+          <p:cNvPr id="39" name="図 38">
+            <a:extLst>
+              <a:ext uri="{FF2B5EF4-FFF2-40B4-BE49-F238E27FC236}">
+                <a16:creationId xmlns:a16="http://schemas.microsoft.com/office/drawing/2014/main" id="{F08F2032-C4F1-42A6-9A53-B238313958D7}"/>
+              </a:ext>
+            </a:extLst>
+          </p:cNvPr>
+          <p:cNvPicPr>
+            <a:picLocks noChangeAspect="1"/>
+          </p:cNvPicPr>
+          <p:nvPr/>
+        </p:nvPicPr>
+        <p:blipFill>
+          <a:blip r:embed="rId2">
+            <a:duotone>
+              <a:schemeClr val="accent2">
+                <a:shade val="45000"/>
+                <a:satMod val="135000"/>
+              </a:schemeClr>
+              <a:prstClr val="white"/>
+            </a:duotone>
+          </a:blip>
+          <a:stretch>
+            <a:fillRect/>
+          </a:stretch>
+        </p:blipFill>
+        <p:spPr>
+          <a:xfrm>
+            <a:off x="1940596" y="3090121"/>
+            <a:ext cx="792014" cy="938515"/>
+          </a:xfrm>
+          <a:prstGeom prst="rect">
+            <a:avLst/>
+          </a:prstGeom>
+          <a:solidFill>
+            <a:schemeClr val="tx2">
+              <a:lumMod val="40000"/>
+              <a:lumOff val="60000"/>
+            </a:schemeClr>
+          </a:solidFill>
+        </p:spPr>
+      </p:pic>
+      <p:pic>
+        <p:nvPicPr>
+          <p:cNvPr id="40" name="図 39">
+            <a:extLst>
+              <a:ext uri="{FF2B5EF4-FFF2-40B4-BE49-F238E27FC236}">
+                <a16:creationId xmlns:a16="http://schemas.microsoft.com/office/drawing/2014/main" id="{2978B514-AF04-444F-A6D4-C2FDB462A800}"/>
+              </a:ext>
+            </a:extLst>
+          </p:cNvPr>
+          <p:cNvPicPr>
+            <a:picLocks noChangeAspect="1"/>
+          </p:cNvPicPr>
+          <p:nvPr/>
+        </p:nvPicPr>
+        <p:blipFill>
+          <a:blip r:embed="rId2">
+            <a:duotone>
+              <a:schemeClr val="accent5">
+                <a:shade val="45000"/>
+                <a:satMod val="135000"/>
+              </a:schemeClr>
+              <a:prstClr val="white"/>
+            </a:duotone>
+          </a:blip>
+          <a:stretch>
+            <a:fillRect/>
+          </a:stretch>
+        </p:blipFill>
+        <p:spPr>
+          <a:xfrm>
+            <a:off x="4445627" y="2310261"/>
+            <a:ext cx="792014" cy="938515"/>
+          </a:xfrm>
+          <a:prstGeom prst="rect">
+            <a:avLst/>
+          </a:prstGeom>
+          <a:solidFill>
+            <a:schemeClr val="tx2">
+              <a:lumMod val="40000"/>
+              <a:lumOff val="60000"/>
+            </a:schemeClr>
+          </a:solidFill>
+        </p:spPr>
+      </p:pic>
+      <p:sp>
+        <p:nvSpPr>
+          <p:cNvPr id="41" name="矢印: 左右 40">
+            <a:extLst>
+              <a:ext uri="{FF2B5EF4-FFF2-40B4-BE49-F238E27FC236}">
+                <a16:creationId xmlns:a16="http://schemas.microsoft.com/office/drawing/2014/main" id="{C84FCF7F-5DF7-4694-8270-BFE2823728F2}"/>
+              </a:ext>
+            </a:extLst>
+          </p:cNvPr>
+          <p:cNvSpPr/>
+          <p:nvPr/>
+        </p:nvSpPr>
+        <p:spPr bwMode="auto">
+          <a:xfrm>
+            <a:off x="3073170" y="3318425"/>
+            <a:ext cx="1165197" cy="526256"/>
+          </a:xfrm>
+          <a:prstGeom prst="leftRightArrow">
+            <a:avLst/>
+          </a:prstGeom>
+          <a:solidFill>
+            <a:srgbClr val="FF0000"/>
+          </a:solidFill>
+          <a:ln w="9525" cap="flat" cmpd="sng" algn="ctr">
+            <a:noFill/>
+            <a:prstDash val="solid"/>
+            <a:round/>
+            <a:headEnd type="none" w="med" len="med"/>
+            <a:tailEnd type="none" w="med" len="med"/>
+          </a:ln>
+          <a:effectLst/>
+        </p:spPr>
+        <p:txBody>
+          <a:bodyPr vert="horz" wrap="square" lIns="74295" tIns="37148" rIns="74295" bIns="37148" numCol="1" rtlCol="0" anchor="ctr" anchorCtr="0" compatLnSpc="1">
+            <a:prstTxWarp prst="textNoShape">
+              <a:avLst/>
+            </a:prstTxWarp>
+          </a:bodyPr>
+          <a:lstStyle/>
+          <a:p>
+            <a:pPr algn="ctr" defTabSz="777737"/>
+            <a:endParaRPr lang="ja-JP" altLang="en-US" sz="731" dirty="0">
+              <a:solidFill>
+                <a:schemeClr val="bg1"/>
+              </a:solidFill>
+              <a:latin typeface="メイリオ" pitchFamily="50" charset="-128"/>
+              <a:ea typeface="メイリオ" pitchFamily="50" charset="-128"/>
+              <a:cs typeface="メイリオ" pitchFamily="50" charset="-128"/>
+            </a:endParaRPr>
+          </a:p>
+        </p:txBody>
+      </p:sp>
+      <p:sp>
+        <p:nvSpPr>
+          <p:cNvPr id="42" name="テキスト ボックス 41">
+            <a:extLst>
+              <a:ext uri="{FF2B5EF4-FFF2-40B4-BE49-F238E27FC236}">
+                <a16:creationId xmlns:a16="http://schemas.microsoft.com/office/drawing/2014/main" id="{681586FE-83A9-442F-8A50-7FAB85442D8E}"/>
+              </a:ext>
+            </a:extLst>
+          </p:cNvPr>
+          <p:cNvSpPr txBox="1"/>
+          <p:nvPr/>
+        </p:nvSpPr>
+        <p:spPr>
+          <a:xfrm>
+            <a:off x="2198455" y="4044691"/>
+            <a:ext cx="309700" cy="242374"/>
+          </a:xfrm>
+          <a:prstGeom prst="rect">
+            <a:avLst/>
+          </a:prstGeom>
+          <a:noFill/>
+        </p:spPr>
+        <p:txBody>
+          <a:bodyPr wrap="none" rtlCol="0">
+            <a:spAutoFit/>
+          </a:bodyPr>
+          <a:lstStyle/>
+          <a:p>
+            <a:r>
+              <a:rPr lang="ja-JP" altLang="en-US" sz="975" dirty="0">
+                <a:latin typeface="メイリオ" panose="020B0604030504040204" pitchFamily="50" charset="-128"/>
+                <a:ea typeface="メイリオ" panose="020B0604030504040204" pitchFamily="50" charset="-128"/>
+              </a:rPr>
+              <a:t>私</a:t>
+            </a:r>
+          </a:p>
+        </p:txBody>
+      </p:sp>
+      <p:sp>
+        <p:nvSpPr>
+          <p:cNvPr id="43" name="テキスト ボックス 42">
+            <a:extLst>
+              <a:ext uri="{FF2B5EF4-FFF2-40B4-BE49-F238E27FC236}">
+                <a16:creationId xmlns:a16="http://schemas.microsoft.com/office/drawing/2014/main" id="{3F4EBC96-2C3C-49FE-836E-B5A60999B342}"/>
+              </a:ext>
+            </a:extLst>
+          </p:cNvPr>
+          <p:cNvSpPr txBox="1"/>
+          <p:nvPr/>
+        </p:nvSpPr>
+        <p:spPr>
+          <a:xfrm>
+            <a:off x="4459964" y="3280308"/>
+            <a:ext cx="809837" cy="242374"/>
+          </a:xfrm>
+          <a:prstGeom prst="rect">
+            <a:avLst/>
+          </a:prstGeom>
+          <a:noFill/>
+        </p:spPr>
+        <p:txBody>
+          <a:bodyPr wrap="none" rtlCol="0">
+            <a:spAutoFit/>
+          </a:bodyPr>
+          <a:lstStyle/>
+          <a:p>
+            <a:r>
+              <a:rPr lang="ja-JP" altLang="en-US" sz="975" dirty="0">
+                <a:latin typeface="メイリオ" panose="020B0604030504040204" pitchFamily="50" charset="-128"/>
+                <a:ea typeface="メイリオ" panose="020B0604030504040204" pitchFamily="50" charset="-128"/>
+              </a:rPr>
+              <a:t>候補技術者</a:t>
+            </a:r>
+          </a:p>
+        </p:txBody>
+      </p:sp>
+      <p:sp>
+        <p:nvSpPr>
+          <p:cNvPr id="44" name="正方形/長方形 43">
+            <a:extLst>
+              <a:ext uri="{FF2B5EF4-FFF2-40B4-BE49-F238E27FC236}">
+                <a16:creationId xmlns:a16="http://schemas.microsoft.com/office/drawing/2014/main" id="{3F7C297B-3BF3-4359-8D72-E487C4C62547}"/>
+              </a:ext>
+            </a:extLst>
+          </p:cNvPr>
+          <p:cNvSpPr/>
+          <p:nvPr/>
+        </p:nvSpPr>
+        <p:spPr>
+          <a:xfrm>
+            <a:off x="6212035" y="2663621"/>
+            <a:ext cx="3693965" cy="1104470"/>
+          </a:xfrm>
+          <a:prstGeom prst="rect">
+            <a:avLst/>
+          </a:prstGeom>
+        </p:spPr>
+        <p:txBody>
+          <a:bodyPr wrap="square">
+            <a:spAutoFit/>
+          </a:bodyPr>
+          <a:lstStyle/>
+          <a:p>
+            <a:pPr marL="139297" indent="-139297" algn="just">
+              <a:lnSpc>
+                <a:spcPts val="1625"/>
+              </a:lnSpc>
+              <a:buFont typeface="Arial" panose="020B0604020202020204" pitchFamily="34" charset="0"/>
+              <a:buChar char="•"/>
+            </a:pPr>
+            <a:r>
+              <a:rPr lang="ja-JP" altLang="en-US" sz="975" kern="100" dirty="0">
+                <a:latin typeface="メイリオ" panose="020B0604030504040204" pitchFamily="50" charset="-128"/>
+                <a:ea typeface="メイリオ" panose="020B0604030504040204" pitchFamily="50" charset="-128"/>
+              </a:rPr>
+              <a:t>顧客や受け入れるチームとの必要スキル認識合わせ</a:t>
+            </a:r>
+            <a:endParaRPr lang="en-US" altLang="ja-JP" sz="975" kern="100" dirty="0">
+              <a:latin typeface="メイリオ" panose="020B0604030504040204" pitchFamily="50" charset="-128"/>
+              <a:ea typeface="メイリオ" panose="020B0604030504040204" pitchFamily="50" charset="-128"/>
+            </a:endParaRPr>
+          </a:p>
+          <a:p>
+            <a:pPr marL="139297" indent="-139297" algn="just">
+              <a:lnSpc>
+                <a:spcPts val="1625"/>
+              </a:lnSpc>
+              <a:buFont typeface="Arial" panose="020B0604020202020204" pitchFamily="34" charset="0"/>
+              <a:buChar char="•"/>
+            </a:pPr>
+            <a:r>
+              <a:rPr lang="en-US" altLang="ja-JP" sz="975" kern="100" dirty="0">
+                <a:latin typeface="メイリオ" panose="020B0604030504040204" pitchFamily="50" charset="-128"/>
+                <a:ea typeface="メイリオ" panose="020B0604030504040204" pitchFamily="50" charset="-128"/>
+              </a:rPr>
+              <a:t>SES</a:t>
+            </a:r>
+            <a:r>
+              <a:rPr lang="ja-JP" altLang="en-US" sz="975" kern="100" dirty="0">
+                <a:latin typeface="メイリオ" panose="020B0604030504040204" pitchFamily="50" charset="-128"/>
+                <a:ea typeface="メイリオ" panose="020B0604030504040204" pitchFamily="50" charset="-128"/>
+              </a:rPr>
+              <a:t>面談への参加</a:t>
+            </a:r>
+            <a:endParaRPr lang="en-US" altLang="ja-JP" sz="975" kern="100" dirty="0">
+              <a:latin typeface="メイリオ" panose="020B0604030504040204" pitchFamily="50" charset="-128"/>
+              <a:ea typeface="メイリオ" panose="020B0604030504040204" pitchFamily="50" charset="-128"/>
+            </a:endParaRPr>
+          </a:p>
+          <a:p>
+            <a:pPr marL="139297" indent="-139297" algn="just">
+              <a:lnSpc>
+                <a:spcPts val="1625"/>
+              </a:lnSpc>
+              <a:buFont typeface="Arial" panose="020B0604020202020204" pitchFamily="34" charset="0"/>
+              <a:buChar char="•"/>
+            </a:pPr>
+            <a:r>
+              <a:rPr lang="ja-JP" altLang="en-US" sz="975" dirty="0">
+                <a:latin typeface="メイリオ" panose="020B0604030504040204" pitchFamily="50" charset="-128"/>
+                <a:ea typeface="メイリオ" panose="020B0604030504040204" pitchFamily="50" charset="-128"/>
+              </a:rPr>
+              <a:t>面接後、採用可否を判断</a:t>
+            </a:r>
+            <a:endParaRPr lang="en-US" altLang="ja-JP" sz="975" dirty="0">
+              <a:latin typeface="メイリオ" panose="020B0604030504040204" pitchFamily="50" charset="-128"/>
+              <a:ea typeface="メイリオ" panose="020B0604030504040204" pitchFamily="50" charset="-128"/>
+            </a:endParaRPr>
+          </a:p>
+          <a:p>
+            <a:pPr marL="139297" indent="-139297" algn="just">
+              <a:lnSpc>
+                <a:spcPts val="1625"/>
+              </a:lnSpc>
+              <a:buFont typeface="Arial" panose="020B0604020202020204" pitchFamily="34" charset="0"/>
+              <a:buChar char="•"/>
+            </a:pPr>
+            <a:r>
+              <a:rPr lang="en-US" altLang="ja-JP" sz="975" dirty="0">
+                <a:latin typeface="メイリオ" panose="020B0604030504040204" pitchFamily="50" charset="-128"/>
+                <a:ea typeface="メイリオ" panose="020B0604030504040204" pitchFamily="50" charset="-128"/>
+              </a:rPr>
+              <a:t>SES</a:t>
+            </a:r>
+            <a:r>
+              <a:rPr lang="ja-JP" altLang="en-US" sz="975" dirty="0">
+                <a:latin typeface="メイリオ" panose="020B0604030504040204" pitchFamily="50" charset="-128"/>
+                <a:ea typeface="メイリオ" panose="020B0604030504040204" pitchFamily="50" charset="-128"/>
+              </a:rPr>
+              <a:t>営業担当者との価格交渉</a:t>
+            </a:r>
+            <a:endParaRPr lang="en-US" altLang="ja-JP" sz="975" dirty="0">
+              <a:latin typeface="メイリオ" panose="020B0604030504040204" pitchFamily="50" charset="-128"/>
+              <a:ea typeface="メイリオ" panose="020B0604030504040204" pitchFamily="50" charset="-128"/>
+            </a:endParaRPr>
+          </a:p>
+          <a:p>
+            <a:pPr marL="139297" indent="-139297" algn="just">
+              <a:lnSpc>
+                <a:spcPts val="1625"/>
+              </a:lnSpc>
+              <a:buFont typeface="Arial" panose="020B0604020202020204" pitchFamily="34" charset="0"/>
+              <a:buChar char="•"/>
+            </a:pPr>
+            <a:r>
+              <a:rPr lang="ja-JP" altLang="en-US" sz="975" dirty="0">
+                <a:latin typeface="メイリオ" panose="020B0604030504040204" pitchFamily="50" charset="-128"/>
+                <a:ea typeface="メイリオ" panose="020B0604030504040204" pitchFamily="50" charset="-128"/>
+              </a:rPr>
+              <a:t>個別契約書作成</a:t>
+            </a:r>
+            <a:endParaRPr lang="en-US" altLang="ja-JP" sz="975" dirty="0">
+              <a:latin typeface="メイリオ" panose="020B0604030504040204" pitchFamily="50" charset="-128"/>
+              <a:ea typeface="メイリオ" panose="020B0604030504040204" pitchFamily="50" charset="-128"/>
+            </a:endParaRPr>
+          </a:p>
+        </p:txBody>
+      </p:sp>
+      <p:sp>
+        <p:nvSpPr>
+          <p:cNvPr id="45" name="フリーフォーム: 図形 29">
+            <a:extLst>
+              <a:ext uri="{FF2B5EF4-FFF2-40B4-BE49-F238E27FC236}">
+                <a16:creationId xmlns:a16="http://schemas.microsoft.com/office/drawing/2014/main" id="{751E41DA-E191-4D8E-ADF6-756368D9B7A0}"/>
+              </a:ext>
+            </a:extLst>
+          </p:cNvPr>
+          <p:cNvSpPr/>
+          <p:nvPr/>
+        </p:nvSpPr>
+        <p:spPr bwMode="auto">
+          <a:xfrm flipV="1">
+            <a:off x="6112020" y="1330737"/>
+            <a:ext cx="3128964" cy="5127009"/>
+          </a:xfrm>
+          <a:custGeom>
+            <a:avLst/>
+            <a:gdLst>
+              <a:gd name="connsiteX0" fmla="*/ 0 w 4368800"/>
+              <a:gd name="connsiteY0" fmla="*/ 0 h 1587500"/>
+              <a:gd name="connsiteX1" fmla="*/ 0 w 4368800"/>
+              <a:gd name="connsiteY1" fmla="*/ 1587500 h 1587500"/>
+              <a:gd name="connsiteX2" fmla="*/ 4368800 w 4368800"/>
+              <a:gd name="connsiteY2" fmla="*/ 1587500 h 1587500"/>
+            </a:gdLst>
+            <a:ahLst/>
+            <a:cxnLst>
+              <a:cxn ang="0">
+                <a:pos x="connsiteX0" y="connsiteY0"/>
+              </a:cxn>
+              <a:cxn ang="0">
+                <a:pos x="connsiteX1" y="connsiteY1"/>
+              </a:cxn>
+              <a:cxn ang="0">
+                <a:pos x="connsiteX2" y="connsiteY2"/>
+              </a:cxn>
+            </a:cxnLst>
+            <a:rect l="l" t="t" r="r" b="b"/>
+            <a:pathLst>
+              <a:path w="4368800" h="1587500">
+                <a:moveTo>
+                  <a:pt x="0" y="0"/>
+                </a:moveTo>
+                <a:lnTo>
+                  <a:pt x="0" y="1587500"/>
+                </a:lnTo>
+                <a:lnTo>
+                  <a:pt x="4368800" y="1587500"/>
+                </a:lnTo>
+              </a:path>
+            </a:pathLst>
+          </a:custGeom>
+          <a:noFill/>
+          <a:ln w="6350" cap="flat" cmpd="sng" algn="ctr">
+            <a:solidFill>
+              <a:schemeClr val="tx1">
+                <a:lumMod val="75000"/>
+                <a:lumOff val="25000"/>
+              </a:schemeClr>
+            </a:solidFill>
+            <a:prstDash val="sysDash"/>
+            <a:round/>
+            <a:headEnd type="none" w="med" len="med"/>
+            <a:tailEnd type="none" w="med" len="med"/>
+          </a:ln>
+          <a:effectLst/>
+        </p:spPr>
+        <p:txBody>
+          <a:bodyPr anchor="ctr"/>
+          <a:lstStyle/>
+          <a:p>
+            <a:pPr algn="ctr" eaLnBrk="1" hangingPunct="1">
+              <a:defRPr/>
+            </a:pPr>
+            <a:endParaRPr lang="ja-JP" altLang="en-US" sz="1463">
+              <a:latin typeface="Meiryo UI" panose="020B0604030504040204" pitchFamily="50" charset="-128"/>
+              <a:ea typeface="Meiryo UI" panose="020B0604030504040204" pitchFamily="50" charset="-128"/>
+              <a:cs typeface="Meiryo UI" panose="020B0604030504040204" pitchFamily="50" charset="-128"/>
+            </a:endParaRPr>
+          </a:p>
+        </p:txBody>
+      </p:sp>
+      <p:sp>
+        <p:nvSpPr>
+          <p:cNvPr id="46" name="正方形/長方形 45">
+            <a:extLst>
+              <a:ext uri="{FF2B5EF4-FFF2-40B4-BE49-F238E27FC236}">
+                <a16:creationId xmlns:a16="http://schemas.microsoft.com/office/drawing/2014/main" id="{BFA1F446-1582-4BB3-8778-BFFCA2FB0EED}"/>
+              </a:ext>
+            </a:extLst>
+          </p:cNvPr>
+          <p:cNvSpPr/>
+          <p:nvPr/>
+        </p:nvSpPr>
+        <p:spPr>
+          <a:xfrm>
+            <a:off x="6176318" y="2438485"/>
+            <a:ext cx="1831182" cy="297517"/>
+          </a:xfrm>
+          <a:prstGeom prst="rect">
+            <a:avLst/>
+          </a:prstGeom>
+        </p:spPr>
+        <p:txBody>
+          <a:bodyPr wrap="square">
+            <a:spAutoFit/>
+          </a:bodyPr>
+          <a:lstStyle/>
+          <a:p>
+            <a:pPr algn="just">
+              <a:lnSpc>
+                <a:spcPts val="1625"/>
+              </a:lnSpc>
+            </a:pPr>
+            <a:r>
+              <a:rPr lang="ja-JP" altLang="en-US" sz="1138" b="1" dirty="0">
+                <a:latin typeface="メイリオ" panose="020B0604030504040204" pitchFamily="50" charset="-128"/>
+                <a:ea typeface="メイリオ" panose="020B0604030504040204" pitchFamily="50" charset="-128"/>
+              </a:rPr>
+              <a:t>業務内容</a:t>
+            </a:r>
+          </a:p>
+        </p:txBody>
+      </p:sp>
+      <p:sp>
+        <p:nvSpPr>
+          <p:cNvPr id="47" name="正方形/長方形 46">
+            <a:extLst>
+              <a:ext uri="{FF2B5EF4-FFF2-40B4-BE49-F238E27FC236}">
+                <a16:creationId xmlns:a16="http://schemas.microsoft.com/office/drawing/2014/main" id="{E46FDDDC-1E0E-42F0-A79C-804B17820BDD}"/>
+              </a:ext>
+            </a:extLst>
+          </p:cNvPr>
+          <p:cNvSpPr/>
+          <p:nvPr/>
+        </p:nvSpPr>
+        <p:spPr>
+          <a:xfrm>
+            <a:off x="6197748" y="4047139"/>
+            <a:ext cx="1831182" cy="283732"/>
+          </a:xfrm>
+          <a:prstGeom prst="rect">
+            <a:avLst/>
+          </a:prstGeom>
+        </p:spPr>
+        <p:txBody>
+          <a:bodyPr wrap="square">
+            <a:spAutoFit/>
+          </a:bodyPr>
+          <a:lstStyle/>
+          <a:p>
+            <a:pPr algn="just">
+              <a:lnSpc>
+                <a:spcPts val="1625"/>
+              </a:lnSpc>
+            </a:pPr>
+            <a:r>
+              <a:rPr lang="en-US" altLang="ja-JP" sz="975" dirty="0">
+                <a:latin typeface="メイリオ" panose="020B0604030504040204" pitchFamily="50" charset="-128"/>
+                <a:ea typeface="メイリオ" panose="020B0604030504040204" pitchFamily="50" charset="-128"/>
+              </a:rPr>
+              <a:t>2019</a:t>
+            </a:r>
+            <a:r>
+              <a:rPr lang="ja-JP" altLang="en-US" sz="975" dirty="0">
+                <a:latin typeface="メイリオ" panose="020B0604030504040204" pitchFamily="50" charset="-128"/>
+                <a:ea typeface="メイリオ" panose="020B0604030504040204" pitchFamily="50" charset="-128"/>
+              </a:rPr>
+              <a:t>年</a:t>
+            </a:r>
+            <a:r>
+              <a:rPr lang="en-US" altLang="ja-JP" sz="975" dirty="0">
+                <a:latin typeface="メイリオ" panose="020B0604030504040204" pitchFamily="50" charset="-128"/>
+                <a:ea typeface="メイリオ" panose="020B0604030504040204" pitchFamily="50" charset="-128"/>
+              </a:rPr>
+              <a:t>1</a:t>
+            </a:r>
+            <a:r>
+              <a:rPr lang="ja-JP" altLang="en-US" sz="975" dirty="0">
+                <a:latin typeface="メイリオ" panose="020B0604030504040204" pitchFamily="50" charset="-128"/>
+                <a:ea typeface="メイリオ" panose="020B0604030504040204" pitchFamily="50" charset="-128"/>
+              </a:rPr>
+              <a:t>月～現在</a:t>
+            </a:r>
+          </a:p>
+        </p:txBody>
+      </p:sp>
+      <p:sp>
+        <p:nvSpPr>
+          <p:cNvPr id="48" name="正方形/長方形 47">
+            <a:extLst>
+              <a:ext uri="{FF2B5EF4-FFF2-40B4-BE49-F238E27FC236}">
+                <a16:creationId xmlns:a16="http://schemas.microsoft.com/office/drawing/2014/main" id="{74787421-E553-461D-B9DC-F76651BE72E7}"/>
+              </a:ext>
+            </a:extLst>
+          </p:cNvPr>
+          <p:cNvSpPr/>
+          <p:nvPr/>
+        </p:nvSpPr>
+        <p:spPr>
+          <a:xfrm>
+            <a:off x="6190605" y="3822007"/>
+            <a:ext cx="1831182" cy="297517"/>
+          </a:xfrm>
+          <a:prstGeom prst="rect">
+            <a:avLst/>
+          </a:prstGeom>
+        </p:spPr>
+        <p:txBody>
+          <a:bodyPr wrap="square">
+            <a:spAutoFit/>
+          </a:bodyPr>
+          <a:lstStyle/>
+          <a:p>
+            <a:pPr algn="just">
+              <a:lnSpc>
+                <a:spcPts val="1625"/>
+              </a:lnSpc>
+            </a:pPr>
+            <a:r>
+              <a:rPr lang="ja-JP" altLang="en-US" sz="1138" b="1" dirty="0">
+                <a:latin typeface="メイリオ" panose="020B0604030504040204" pitchFamily="50" charset="-128"/>
+                <a:ea typeface="メイリオ" panose="020B0604030504040204" pitchFamily="50" charset="-128"/>
+              </a:rPr>
+              <a:t>期間</a:t>
+            </a:r>
+          </a:p>
+        </p:txBody>
+      </p:sp>
+      <p:sp>
+        <p:nvSpPr>
+          <p:cNvPr id="49" name="正方形/長方形 48">
+            <a:extLst>
+              <a:ext uri="{FF2B5EF4-FFF2-40B4-BE49-F238E27FC236}">
+                <a16:creationId xmlns:a16="http://schemas.microsoft.com/office/drawing/2014/main" id="{FB03EEB2-9817-4E1C-A0DF-D0F63CF41472}"/>
+              </a:ext>
+            </a:extLst>
+          </p:cNvPr>
+          <p:cNvSpPr/>
+          <p:nvPr/>
+        </p:nvSpPr>
+        <p:spPr>
+          <a:xfrm>
+            <a:off x="6183461" y="1613577"/>
+            <a:ext cx="3414712" cy="694101"/>
+          </a:xfrm>
+          <a:prstGeom prst="rect">
+            <a:avLst/>
+          </a:prstGeom>
+        </p:spPr>
+        <p:txBody>
+          <a:bodyPr wrap="square">
+            <a:spAutoFit/>
+          </a:bodyPr>
+          <a:lstStyle/>
+          <a:p>
+            <a:pPr algn="just">
+              <a:lnSpc>
+                <a:spcPts val="1625"/>
+              </a:lnSpc>
+            </a:pPr>
+            <a:r>
+              <a:rPr lang="ja-JP" altLang="en-US" sz="975" dirty="0">
+                <a:latin typeface="メイリオ" panose="020B0604030504040204" pitchFamily="50" charset="-128"/>
+                <a:ea typeface="メイリオ" panose="020B0604030504040204" pitchFamily="50" charset="-128"/>
+              </a:rPr>
+              <a:t>オンサイトの募集ポジションに適した人材かどうか、</a:t>
+            </a:r>
+            <a:endParaRPr lang="en-US" altLang="ja-JP" sz="975" dirty="0">
+              <a:latin typeface="メイリオ" panose="020B0604030504040204" pitchFamily="50" charset="-128"/>
+              <a:ea typeface="メイリオ" panose="020B0604030504040204" pitchFamily="50" charset="-128"/>
+            </a:endParaRPr>
+          </a:p>
+          <a:p>
+            <a:pPr algn="just">
+              <a:lnSpc>
+                <a:spcPts val="1625"/>
+              </a:lnSpc>
+            </a:pPr>
+            <a:r>
+              <a:rPr lang="ja-JP" altLang="en-US" sz="975" dirty="0">
+                <a:latin typeface="メイリオ" panose="020B0604030504040204" pitchFamily="50" charset="-128"/>
+                <a:ea typeface="メイリオ" panose="020B0604030504040204" pitchFamily="50" charset="-128"/>
+              </a:rPr>
+              <a:t>精度を高めるため可能な限り募集ポジションに対し、</a:t>
+            </a:r>
+            <a:endParaRPr lang="en-US" altLang="ja-JP" sz="975" dirty="0">
+              <a:latin typeface="メイリオ" panose="020B0604030504040204" pitchFamily="50" charset="-128"/>
+              <a:ea typeface="メイリオ" panose="020B0604030504040204" pitchFamily="50" charset="-128"/>
+            </a:endParaRPr>
+          </a:p>
+          <a:p>
+            <a:pPr algn="just">
+              <a:lnSpc>
+                <a:spcPts val="1625"/>
+              </a:lnSpc>
+            </a:pPr>
+            <a:r>
+              <a:rPr lang="ja-JP" altLang="en-US" sz="975" dirty="0">
+                <a:latin typeface="メイリオ" panose="020B0604030504040204" pitchFamily="50" charset="-128"/>
+                <a:ea typeface="メイリオ" panose="020B0604030504040204" pitchFamily="50" charset="-128"/>
+              </a:rPr>
+              <a:t>複数名の面談を実施</a:t>
+            </a:r>
+            <a:endParaRPr lang="en-US" altLang="ja-JP" sz="975" dirty="0">
+              <a:latin typeface="メイリオ" panose="020B0604030504040204" pitchFamily="50" charset="-128"/>
+              <a:ea typeface="メイリオ" panose="020B0604030504040204" pitchFamily="50" charset="-128"/>
+            </a:endParaRPr>
+          </a:p>
+        </p:txBody>
+      </p:sp>
+      <p:sp>
+        <p:nvSpPr>
+          <p:cNvPr id="50" name="正方形/長方形 49">
+            <a:extLst>
+              <a:ext uri="{FF2B5EF4-FFF2-40B4-BE49-F238E27FC236}">
+                <a16:creationId xmlns:a16="http://schemas.microsoft.com/office/drawing/2014/main" id="{9D54084E-9333-4343-9245-3251D296D440}"/>
+              </a:ext>
+            </a:extLst>
+          </p:cNvPr>
+          <p:cNvSpPr/>
+          <p:nvPr/>
+        </p:nvSpPr>
+        <p:spPr>
+          <a:xfrm>
+            <a:off x="6176318" y="1381995"/>
+            <a:ext cx="1831182" cy="297517"/>
+          </a:xfrm>
+          <a:prstGeom prst="rect">
+            <a:avLst/>
+          </a:prstGeom>
+        </p:spPr>
+        <p:txBody>
+          <a:bodyPr wrap="square">
+            <a:spAutoFit/>
+          </a:bodyPr>
+          <a:lstStyle/>
+          <a:p>
+            <a:pPr algn="just">
+              <a:lnSpc>
+                <a:spcPts val="1625"/>
+              </a:lnSpc>
+            </a:pPr>
+            <a:r>
+              <a:rPr lang="ja-JP" altLang="en-US" sz="1138" b="1" dirty="0">
+                <a:latin typeface="メイリオ" panose="020B0604030504040204" pitchFamily="50" charset="-128"/>
+                <a:ea typeface="メイリオ" panose="020B0604030504040204" pitchFamily="50" charset="-128"/>
+              </a:rPr>
+              <a:t>業務概要</a:t>
+            </a:r>
+          </a:p>
+        </p:txBody>
+      </p:sp>
+      <p:sp>
+        <p:nvSpPr>
+          <p:cNvPr id="51" name="正方形/長方形 50">
+            <a:extLst>
+              <a:ext uri="{FF2B5EF4-FFF2-40B4-BE49-F238E27FC236}">
+                <a16:creationId xmlns:a16="http://schemas.microsoft.com/office/drawing/2014/main" id="{B833D56C-A7BB-4420-9A7E-C151E6129DC5}"/>
+              </a:ext>
+            </a:extLst>
+          </p:cNvPr>
+          <p:cNvSpPr/>
+          <p:nvPr/>
+        </p:nvSpPr>
+        <p:spPr>
+          <a:xfrm>
+            <a:off x="6197747" y="4609064"/>
+            <a:ext cx="3231952" cy="1104470"/>
+          </a:xfrm>
+          <a:prstGeom prst="rect">
+            <a:avLst/>
+          </a:prstGeom>
+        </p:spPr>
+        <p:txBody>
+          <a:bodyPr wrap="square">
+            <a:spAutoFit/>
+          </a:bodyPr>
+          <a:lstStyle/>
+          <a:p>
+            <a:pPr marL="139297" indent="-139297">
+              <a:lnSpc>
+                <a:spcPts val="1625"/>
+              </a:lnSpc>
+              <a:buFont typeface="Arial" panose="020B0604020202020204" pitchFamily="34" charset="0"/>
+              <a:buChar char="•"/>
+            </a:pPr>
+            <a:r>
+              <a:rPr lang="ja-JP" altLang="en-US" sz="975" dirty="0">
+                <a:latin typeface="メイリオ" panose="020B0604030504040204" pitchFamily="50" charset="-128"/>
+                <a:ea typeface="メイリオ" panose="020B0604030504040204" pitchFamily="50" charset="-128"/>
+              </a:rPr>
+              <a:t>スキルセットの入念なヒアリング</a:t>
+            </a:r>
+            <a:endParaRPr lang="en-US" altLang="ja-JP" sz="975" dirty="0">
+              <a:latin typeface="メイリオ" panose="020B0604030504040204" pitchFamily="50" charset="-128"/>
+              <a:ea typeface="メイリオ" panose="020B0604030504040204" pitchFamily="50" charset="-128"/>
+            </a:endParaRPr>
+          </a:p>
+          <a:p>
+            <a:pPr marL="139297" indent="-139297">
+              <a:lnSpc>
+                <a:spcPts val="1625"/>
+              </a:lnSpc>
+              <a:buFont typeface="Arial" panose="020B0604020202020204" pitchFamily="34" charset="0"/>
+              <a:buChar char="•"/>
+            </a:pPr>
+            <a:r>
+              <a:rPr lang="ja-JP" altLang="en-US" sz="975" dirty="0">
+                <a:latin typeface="メイリオ" panose="020B0604030504040204" pitchFamily="50" charset="-128"/>
+                <a:ea typeface="メイリオ" panose="020B0604030504040204" pitchFamily="50" charset="-128"/>
+              </a:rPr>
+              <a:t>現場ニーズにマッチした人材選定</a:t>
+            </a:r>
+            <a:endParaRPr lang="en-US" altLang="ja-JP" sz="975" dirty="0">
+              <a:latin typeface="メイリオ" panose="020B0604030504040204" pitchFamily="50" charset="-128"/>
+              <a:ea typeface="メイリオ" panose="020B0604030504040204" pitchFamily="50" charset="-128"/>
+            </a:endParaRPr>
+          </a:p>
+          <a:p>
+            <a:pPr marL="139297" indent="-139297">
+              <a:lnSpc>
+                <a:spcPts val="1625"/>
+              </a:lnSpc>
+              <a:buFont typeface="Arial" panose="020B0604020202020204" pitchFamily="34" charset="0"/>
+              <a:buChar char="•"/>
+            </a:pPr>
+            <a:r>
+              <a:rPr lang="ja-JP" altLang="en-US" sz="975" dirty="0">
+                <a:latin typeface="メイリオ" panose="020B0604030504040204" pitchFamily="50" charset="-128"/>
+                <a:ea typeface="メイリオ" panose="020B0604030504040204" pitchFamily="50" charset="-128"/>
+              </a:rPr>
+              <a:t>会社を選んでもらう立場でもあるため、</a:t>
+            </a:r>
+            <a:br>
+              <a:rPr lang="en-US" altLang="ja-JP" sz="975" dirty="0">
+                <a:latin typeface="メイリオ" panose="020B0604030504040204" pitchFamily="50" charset="-128"/>
+                <a:ea typeface="メイリオ" panose="020B0604030504040204" pitchFamily="50" charset="-128"/>
+              </a:rPr>
+            </a:br>
+            <a:r>
+              <a:rPr lang="ja-JP" altLang="en-US" sz="975" dirty="0">
+                <a:latin typeface="メイリオ" panose="020B0604030504040204" pitchFamily="50" charset="-128"/>
+                <a:ea typeface="メイリオ" panose="020B0604030504040204" pitchFamily="50" charset="-128"/>
+              </a:rPr>
+              <a:t>会話の中でさりげなく会社としての魅力をアピール</a:t>
+            </a:r>
+            <a:endParaRPr lang="en-US" altLang="ja-JP" sz="975" dirty="0">
+              <a:latin typeface="メイリオ" panose="020B0604030504040204" pitchFamily="50" charset="-128"/>
+              <a:ea typeface="メイリオ" panose="020B0604030504040204" pitchFamily="50" charset="-128"/>
+            </a:endParaRPr>
+          </a:p>
+          <a:p>
+            <a:pPr marL="139297" indent="-139297">
+              <a:lnSpc>
+                <a:spcPts val="1625"/>
+              </a:lnSpc>
+              <a:buFont typeface="Arial" panose="020B0604020202020204" pitchFamily="34" charset="0"/>
+              <a:buChar char="•"/>
+            </a:pPr>
+            <a:r>
+              <a:rPr lang="ja-JP" altLang="en-US" sz="975" dirty="0">
+                <a:latin typeface="メイリオ" panose="020B0604030504040204" pitchFamily="50" charset="-128"/>
+                <a:ea typeface="メイリオ" panose="020B0604030504040204" pitchFamily="50" charset="-128"/>
+              </a:rPr>
+              <a:t>費用持ち出しを防ぐための最適な契約時期調整</a:t>
+            </a:r>
+            <a:endParaRPr lang="en-US" altLang="ja-JP" sz="975" dirty="0">
+              <a:latin typeface="メイリオ" panose="020B0604030504040204" pitchFamily="50" charset="-128"/>
+              <a:ea typeface="メイリオ" panose="020B0604030504040204" pitchFamily="50" charset="-128"/>
+            </a:endParaRPr>
+          </a:p>
+        </p:txBody>
+      </p:sp>
+      <p:sp>
+        <p:nvSpPr>
+          <p:cNvPr id="52" name="正方形/長方形 51">
+            <a:extLst>
+              <a:ext uri="{FF2B5EF4-FFF2-40B4-BE49-F238E27FC236}">
+                <a16:creationId xmlns:a16="http://schemas.microsoft.com/office/drawing/2014/main" id="{526726B5-F772-4585-99C5-12AA41E5813A}"/>
+              </a:ext>
+            </a:extLst>
+          </p:cNvPr>
+          <p:cNvSpPr/>
+          <p:nvPr/>
+        </p:nvSpPr>
+        <p:spPr>
+          <a:xfrm>
+            <a:off x="6190605" y="4383929"/>
+            <a:ext cx="1831182" cy="297517"/>
+          </a:xfrm>
+          <a:prstGeom prst="rect">
+            <a:avLst/>
+          </a:prstGeom>
+        </p:spPr>
+        <p:txBody>
+          <a:bodyPr wrap="square">
+            <a:spAutoFit/>
+          </a:bodyPr>
+          <a:lstStyle/>
+          <a:p>
+            <a:pPr>
+              <a:lnSpc>
+                <a:spcPts val="1625"/>
+              </a:lnSpc>
+            </a:pPr>
+            <a:r>
+              <a:rPr lang="ja-JP" altLang="en-US" sz="1138" b="1" dirty="0">
+                <a:latin typeface="メイリオ" panose="020B0604030504040204" pitchFamily="50" charset="-128"/>
+                <a:ea typeface="メイリオ" panose="020B0604030504040204" pitchFamily="50" charset="-128"/>
+              </a:rPr>
+              <a:t>心がけていたこと</a:t>
+            </a:r>
+          </a:p>
+        </p:txBody>
+      </p:sp>
+      <p:pic>
+        <p:nvPicPr>
+          <p:cNvPr id="53" name="図 52">
+            <a:extLst>
+              <a:ext uri="{FF2B5EF4-FFF2-40B4-BE49-F238E27FC236}">
+                <a16:creationId xmlns:a16="http://schemas.microsoft.com/office/drawing/2014/main" id="{3A3EEEC2-AF7F-4931-855F-7846D541863E}"/>
+              </a:ext>
+            </a:extLst>
+          </p:cNvPr>
+          <p:cNvPicPr>
+            <a:picLocks noChangeAspect="1"/>
+          </p:cNvPicPr>
+          <p:nvPr/>
+        </p:nvPicPr>
+        <p:blipFill>
+          <a:blip r:embed="rId2">
+            <a:duotone>
+              <a:schemeClr val="accent5">
+                <a:shade val="45000"/>
+                <a:satMod val="135000"/>
+              </a:schemeClr>
+              <a:prstClr val="white"/>
+            </a:duotone>
+          </a:blip>
+          <a:stretch>
+            <a:fillRect/>
+          </a:stretch>
+        </p:blipFill>
+        <p:spPr>
+          <a:xfrm>
+            <a:off x="4461026" y="3808014"/>
+            <a:ext cx="792014" cy="938515"/>
+          </a:xfrm>
+          <a:prstGeom prst="rect">
+            <a:avLst/>
+          </a:prstGeom>
+          <a:solidFill>
+            <a:schemeClr val="tx2">
+              <a:lumMod val="40000"/>
+              <a:lumOff val="60000"/>
+            </a:schemeClr>
+          </a:solidFill>
+        </p:spPr>
+      </p:pic>
+      <p:sp>
+        <p:nvSpPr>
+          <p:cNvPr id="54" name="テキスト ボックス 53">
+            <a:extLst>
+              <a:ext uri="{FF2B5EF4-FFF2-40B4-BE49-F238E27FC236}">
+                <a16:creationId xmlns:a16="http://schemas.microsoft.com/office/drawing/2014/main" id="{31AF2519-F1FC-42E0-A7E1-32E958D4C280}"/>
+              </a:ext>
+            </a:extLst>
+          </p:cNvPr>
+          <p:cNvSpPr txBox="1"/>
+          <p:nvPr/>
+        </p:nvSpPr>
+        <p:spPr>
+          <a:xfrm>
+            <a:off x="4223964" y="4748144"/>
+            <a:ext cx="1297150" cy="242374"/>
+          </a:xfrm>
+          <a:prstGeom prst="rect">
+            <a:avLst/>
+          </a:prstGeom>
+          <a:noFill/>
+        </p:spPr>
+        <p:txBody>
+          <a:bodyPr wrap="none" rtlCol="0">
+            <a:spAutoFit/>
+          </a:bodyPr>
+          <a:lstStyle/>
+          <a:p>
+            <a:r>
+              <a:rPr lang="en-US" altLang="ja-JP" sz="975" dirty="0">
+                <a:latin typeface="メイリオ" panose="020B0604030504040204" pitchFamily="50" charset="-128"/>
+                <a:ea typeface="メイリオ" panose="020B0604030504040204" pitchFamily="50" charset="-128"/>
+              </a:rPr>
+              <a:t>SES</a:t>
+            </a:r>
+            <a:r>
+              <a:rPr lang="ja-JP" altLang="en-US" sz="975" dirty="0">
+                <a:latin typeface="メイリオ" panose="020B0604030504040204" pitchFamily="50" charset="-128"/>
+                <a:ea typeface="メイリオ" panose="020B0604030504040204" pitchFamily="50" charset="-128"/>
+              </a:rPr>
+              <a:t>会社営業担当者</a:t>
+            </a:r>
+          </a:p>
+        </p:txBody>
+      </p:sp>
+      <p:sp>
+        <p:nvSpPr>
+          <p:cNvPr id="55" name="正方形/長方形 54">
+            <a:extLst>
+              <a:ext uri="{FF2B5EF4-FFF2-40B4-BE49-F238E27FC236}">
+                <a16:creationId xmlns:a16="http://schemas.microsoft.com/office/drawing/2014/main" id="{406C47F1-B843-4481-A4A3-DF6CF31B2E9F}"/>
+              </a:ext>
+            </a:extLst>
+          </p:cNvPr>
+          <p:cNvSpPr/>
+          <p:nvPr/>
+        </p:nvSpPr>
+        <p:spPr>
+          <a:xfrm>
+            <a:off x="6220840" y="5996539"/>
+            <a:ext cx="3231952" cy="488916"/>
+          </a:xfrm>
+          <a:prstGeom prst="rect">
+            <a:avLst/>
+          </a:prstGeom>
+        </p:spPr>
+        <p:txBody>
+          <a:bodyPr wrap="square">
+            <a:spAutoFit/>
+          </a:bodyPr>
+          <a:lstStyle/>
+          <a:p>
+            <a:pPr marL="139297" indent="-139297">
+              <a:lnSpc>
+                <a:spcPts val="1625"/>
+              </a:lnSpc>
+              <a:buFont typeface="Arial" panose="020B0604020202020204" pitchFamily="34" charset="0"/>
+              <a:buChar char="•"/>
+            </a:pPr>
+            <a:r>
+              <a:rPr lang="ja-JP" altLang="en-US" sz="975" dirty="0">
+                <a:latin typeface="メイリオ" panose="020B0604030504040204" pitchFamily="50" charset="-128"/>
+                <a:ea typeface="メイリオ" panose="020B0604030504040204" pitchFamily="50" charset="-128"/>
+              </a:rPr>
+              <a:t>年間約</a:t>
+            </a:r>
+            <a:r>
+              <a:rPr lang="en-US" altLang="ja-JP" sz="975" dirty="0">
+                <a:latin typeface="メイリオ" panose="020B0604030504040204" pitchFamily="50" charset="-128"/>
+                <a:ea typeface="メイリオ" panose="020B0604030504040204" pitchFamily="50" charset="-128"/>
+              </a:rPr>
+              <a:t>100</a:t>
+            </a:r>
+            <a:r>
+              <a:rPr lang="ja-JP" altLang="en-US" sz="975" dirty="0">
+                <a:latin typeface="メイリオ" panose="020B0604030504040204" pitchFamily="50" charset="-128"/>
+                <a:ea typeface="メイリオ" panose="020B0604030504040204" pitchFamily="50" charset="-128"/>
+              </a:rPr>
+              <a:t>名の面談（面接）を実施</a:t>
+            </a:r>
+            <a:endParaRPr lang="en-US" altLang="ja-JP" sz="975" dirty="0">
+              <a:latin typeface="メイリオ" panose="020B0604030504040204" pitchFamily="50" charset="-128"/>
+              <a:ea typeface="メイリオ" panose="020B0604030504040204" pitchFamily="50" charset="-128"/>
+            </a:endParaRPr>
+          </a:p>
+          <a:p>
+            <a:pPr marL="139297" indent="-139297">
+              <a:lnSpc>
+                <a:spcPts val="1625"/>
+              </a:lnSpc>
+              <a:buFont typeface="Arial" panose="020B0604020202020204" pitchFamily="34" charset="0"/>
+              <a:buChar char="•"/>
+            </a:pPr>
+            <a:r>
+              <a:rPr lang="ja-JP" altLang="en-US" sz="975" dirty="0">
+                <a:latin typeface="メイリオ" panose="020B0604030504040204" pitchFamily="50" charset="-128"/>
+                <a:ea typeface="メイリオ" panose="020B0604030504040204" pitchFamily="50" charset="-128"/>
+              </a:rPr>
+              <a:t>現場定着率を約</a:t>
+            </a:r>
+            <a:r>
+              <a:rPr lang="en-US" altLang="ja-JP" sz="975" dirty="0">
+                <a:latin typeface="メイリオ" panose="020B0604030504040204" pitchFamily="50" charset="-128"/>
+                <a:ea typeface="メイリオ" panose="020B0604030504040204" pitchFamily="50" charset="-128"/>
+              </a:rPr>
+              <a:t>60</a:t>
+            </a:r>
+            <a:r>
+              <a:rPr lang="ja-JP" altLang="en-US" sz="975" dirty="0">
+                <a:latin typeface="メイリオ" panose="020B0604030504040204" pitchFamily="50" charset="-128"/>
+                <a:ea typeface="メイリオ" panose="020B0604030504040204" pitchFamily="50" charset="-128"/>
+              </a:rPr>
+              <a:t>％⇒</a:t>
+            </a:r>
+            <a:r>
+              <a:rPr lang="en-US" altLang="ja-JP" sz="975" dirty="0">
+                <a:latin typeface="メイリオ" panose="020B0604030504040204" pitchFamily="50" charset="-128"/>
+                <a:ea typeface="メイリオ" panose="020B0604030504040204" pitchFamily="50" charset="-128"/>
+              </a:rPr>
+              <a:t>80</a:t>
+            </a:r>
+            <a:r>
+              <a:rPr lang="ja-JP" altLang="en-US" sz="975" dirty="0">
+                <a:latin typeface="メイリオ" panose="020B0604030504040204" pitchFamily="50" charset="-128"/>
+                <a:ea typeface="メイリオ" panose="020B0604030504040204" pitchFamily="50" charset="-128"/>
+              </a:rPr>
+              <a:t>％へ向上</a:t>
+            </a:r>
+            <a:endParaRPr lang="en-US" altLang="ja-JP" sz="975" dirty="0">
+              <a:latin typeface="メイリオ" panose="020B0604030504040204" pitchFamily="50" charset="-128"/>
+              <a:ea typeface="メイリオ" panose="020B0604030504040204" pitchFamily="50" charset="-128"/>
+            </a:endParaRPr>
+          </a:p>
+        </p:txBody>
+      </p:sp>
+      <p:sp>
+        <p:nvSpPr>
+          <p:cNvPr id="56" name="正方形/長方形 55">
+            <a:extLst>
+              <a:ext uri="{FF2B5EF4-FFF2-40B4-BE49-F238E27FC236}">
+                <a16:creationId xmlns:a16="http://schemas.microsoft.com/office/drawing/2014/main" id="{F93B751C-1419-4861-90A3-CE3DCCA47C86}"/>
+              </a:ext>
+            </a:extLst>
+          </p:cNvPr>
+          <p:cNvSpPr/>
+          <p:nvPr/>
+        </p:nvSpPr>
+        <p:spPr>
+          <a:xfrm>
+            <a:off x="6213698" y="5771406"/>
+            <a:ext cx="1831182" cy="502702"/>
+          </a:xfrm>
+          <a:prstGeom prst="rect">
+            <a:avLst/>
+          </a:prstGeom>
+        </p:spPr>
+        <p:txBody>
+          <a:bodyPr wrap="square">
+            <a:spAutoFit/>
+          </a:bodyPr>
+          <a:lstStyle/>
+          <a:p>
+            <a:pPr>
+              <a:lnSpc>
+                <a:spcPts val="1625"/>
+              </a:lnSpc>
+            </a:pPr>
+            <a:r>
+              <a:rPr lang="ja-JP" altLang="en-US" sz="1138" b="1" dirty="0">
+                <a:latin typeface="メイリオ" panose="020B0604030504040204" pitchFamily="50" charset="-128"/>
+                <a:ea typeface="メイリオ" panose="020B0604030504040204" pitchFamily="50" charset="-128"/>
+              </a:rPr>
+              <a:t>得られた成果</a:t>
+            </a:r>
+            <a:endParaRPr lang="en-US" altLang="ja-JP" sz="1138" b="1" dirty="0">
+              <a:latin typeface="メイリオ" panose="020B0604030504040204" pitchFamily="50" charset="-128"/>
+              <a:ea typeface="メイリオ" panose="020B0604030504040204" pitchFamily="50" charset="-128"/>
+            </a:endParaRPr>
+          </a:p>
+          <a:p>
+            <a:pPr>
+              <a:lnSpc>
+                <a:spcPts val="1625"/>
+              </a:lnSpc>
+            </a:pPr>
+            <a:endParaRPr lang="ja-JP" altLang="en-US" sz="1138" b="1" dirty="0">
+              <a:latin typeface="メイリオ" panose="020B0604030504040204" pitchFamily="50" charset="-128"/>
+              <a:ea typeface="メイリオ" panose="020B0604030504040204" pitchFamily="50" charset="-128"/>
+            </a:endParaRPr>
+          </a:p>
+        </p:txBody>
+      </p:sp>
+      <p:sp>
+        <p:nvSpPr>
+          <p:cNvPr id="23" name="フリーフォーム: 図形 29">
+            <a:extLst>
+              <a:ext uri="{FF2B5EF4-FFF2-40B4-BE49-F238E27FC236}">
+                <a16:creationId xmlns:a16="http://schemas.microsoft.com/office/drawing/2014/main" id="{4F03F15B-A493-4387-8163-4FF654B0AD21}"/>
+              </a:ext>
+            </a:extLst>
+          </p:cNvPr>
+          <p:cNvSpPr/>
+          <p:nvPr/>
+        </p:nvSpPr>
+        <p:spPr bwMode="auto">
+          <a:xfrm flipV="1">
+            <a:off x="376113" y="5455229"/>
+            <a:ext cx="5239595" cy="1171972"/>
+          </a:xfrm>
+          <a:custGeom>
+            <a:avLst/>
+            <a:gdLst>
+              <a:gd name="connsiteX0" fmla="*/ 0 w 4368800"/>
+              <a:gd name="connsiteY0" fmla="*/ 0 h 1587500"/>
+              <a:gd name="connsiteX1" fmla="*/ 0 w 4368800"/>
+              <a:gd name="connsiteY1" fmla="*/ 1587500 h 1587500"/>
+              <a:gd name="connsiteX2" fmla="*/ 4368800 w 4368800"/>
+              <a:gd name="connsiteY2" fmla="*/ 1587500 h 1587500"/>
+            </a:gdLst>
+            <a:ahLst/>
+            <a:cxnLst>
+              <a:cxn ang="0">
+                <a:pos x="connsiteX0" y="connsiteY0"/>
+              </a:cxn>
+              <a:cxn ang="0">
+                <a:pos x="connsiteX1" y="connsiteY1"/>
+              </a:cxn>
+              <a:cxn ang="0">
+                <a:pos x="connsiteX2" y="connsiteY2"/>
+              </a:cxn>
+            </a:cxnLst>
+            <a:rect l="l" t="t" r="r" b="b"/>
+            <a:pathLst>
+              <a:path w="4368800" h="1587500">
+                <a:moveTo>
+                  <a:pt x="0" y="0"/>
+                </a:moveTo>
+                <a:lnTo>
+                  <a:pt x="0" y="1587500"/>
+                </a:lnTo>
+                <a:lnTo>
+                  <a:pt x="4368800" y="1587500"/>
+                </a:lnTo>
+              </a:path>
+            </a:pathLst>
+          </a:custGeom>
+          <a:noFill/>
+          <a:ln w="6350" cap="flat" cmpd="sng" algn="ctr">
+            <a:solidFill>
+              <a:schemeClr val="tx1">
+                <a:lumMod val="75000"/>
+                <a:lumOff val="25000"/>
+              </a:schemeClr>
+            </a:solidFill>
+            <a:prstDash val="sysDash"/>
+            <a:round/>
+            <a:headEnd type="none" w="med" len="med"/>
+            <a:tailEnd type="none" w="med" len="med"/>
+          </a:ln>
+          <a:effectLst/>
+        </p:spPr>
+        <p:txBody>
+          <a:bodyPr anchor="ctr"/>
+          <a:lstStyle/>
+          <a:p>
+            <a:pPr algn="ctr" eaLnBrk="1" hangingPunct="1">
+              <a:defRPr/>
+            </a:pPr>
+            <a:endParaRPr lang="ja-JP" altLang="en-US" sz="1463">
+              <a:latin typeface="Meiryo UI" panose="020B0604030504040204" pitchFamily="50" charset="-128"/>
+              <a:ea typeface="Meiryo UI" panose="020B0604030504040204" pitchFamily="50" charset="-128"/>
+              <a:cs typeface="Meiryo UI" panose="020B0604030504040204" pitchFamily="50" charset="-128"/>
+            </a:endParaRPr>
+          </a:p>
+        </p:txBody>
+      </p:sp>
+      <p:sp>
+        <p:nvSpPr>
+          <p:cNvPr id="24" name="正方形/長方形 23">
+            <a:extLst>
+              <a:ext uri="{FF2B5EF4-FFF2-40B4-BE49-F238E27FC236}">
+                <a16:creationId xmlns:a16="http://schemas.microsoft.com/office/drawing/2014/main" id="{B9CFDF04-A9C5-4BEA-86DE-75A252B3AC29}"/>
+              </a:ext>
+            </a:extLst>
+          </p:cNvPr>
+          <p:cNvSpPr/>
+          <p:nvPr/>
+        </p:nvSpPr>
+        <p:spPr>
+          <a:xfrm>
+            <a:off x="474208" y="5796887"/>
+            <a:ext cx="5250320" cy="694101"/>
+          </a:xfrm>
+          <a:prstGeom prst="rect">
+            <a:avLst/>
+          </a:prstGeom>
+        </p:spPr>
+        <p:txBody>
+          <a:bodyPr wrap="square">
+            <a:spAutoFit/>
+          </a:bodyPr>
+          <a:lstStyle/>
+          <a:p>
+            <a:pPr algn="just">
+              <a:lnSpc>
+                <a:spcPts val="1625"/>
+              </a:lnSpc>
+            </a:pPr>
+            <a:r>
+              <a:rPr lang="ja-JP" altLang="en-US" sz="975" dirty="0">
+                <a:latin typeface="メイリオ" panose="020B0604030504040204" pitchFamily="50" charset="-128"/>
+                <a:ea typeface="メイリオ" panose="020B0604030504040204" pitchFamily="50" charset="-128"/>
+              </a:rPr>
+              <a:t>制作出身者の面接者がおらず、スキルや適性の見極めに課題がある状況だった</a:t>
+            </a:r>
+            <a:endParaRPr lang="en-US" altLang="ja-JP" sz="975" dirty="0">
+              <a:latin typeface="メイリオ" panose="020B0604030504040204" pitchFamily="50" charset="-128"/>
+              <a:ea typeface="メイリオ" panose="020B0604030504040204" pitchFamily="50" charset="-128"/>
+            </a:endParaRPr>
+          </a:p>
+          <a:p>
+            <a:pPr algn="just">
+              <a:lnSpc>
+                <a:spcPts val="1625"/>
+              </a:lnSpc>
+            </a:pPr>
+            <a:r>
+              <a:rPr lang="ja-JP" altLang="en-US" sz="975" dirty="0">
+                <a:latin typeface="メイリオ" panose="020B0604030504040204" pitchFamily="50" charset="-128"/>
+                <a:ea typeface="メイリオ" panose="020B0604030504040204" pitchFamily="50" charset="-128"/>
+              </a:rPr>
+              <a:t>また、顧客および</a:t>
+            </a:r>
+            <a:r>
+              <a:rPr lang="en-US" altLang="ja-JP" sz="975" dirty="0">
+                <a:latin typeface="メイリオ" panose="020B0604030504040204" pitchFamily="50" charset="-128"/>
+                <a:ea typeface="メイリオ" panose="020B0604030504040204" pitchFamily="50" charset="-128"/>
+              </a:rPr>
+              <a:t>SES</a:t>
+            </a:r>
+            <a:r>
+              <a:rPr lang="ja-JP" altLang="en-US" sz="975" dirty="0">
+                <a:latin typeface="メイリオ" panose="020B0604030504040204" pitchFamily="50" charset="-128"/>
+                <a:ea typeface="メイリオ" panose="020B0604030504040204" pitchFamily="50" charset="-128"/>
+              </a:rPr>
+              <a:t>会社とのコミュニケーションが属人化していた状況で、</a:t>
+            </a:r>
+            <a:endParaRPr lang="en-US" altLang="ja-JP" sz="975" dirty="0">
+              <a:latin typeface="メイリオ" panose="020B0604030504040204" pitchFamily="50" charset="-128"/>
+              <a:ea typeface="メイリオ" panose="020B0604030504040204" pitchFamily="50" charset="-128"/>
+            </a:endParaRPr>
+          </a:p>
+          <a:p>
+            <a:pPr algn="just">
+              <a:lnSpc>
+                <a:spcPts val="1625"/>
+              </a:lnSpc>
+            </a:pPr>
+            <a:r>
+              <a:rPr lang="ja-JP" altLang="en-US" sz="975" dirty="0">
+                <a:latin typeface="メイリオ" panose="020B0604030504040204" pitchFamily="50" charset="-128"/>
+                <a:ea typeface="メイリオ" panose="020B0604030504040204" pitchFamily="50" charset="-128"/>
+              </a:rPr>
+              <a:t>役割分担や業務の分配が適正に行われていなかった</a:t>
+            </a:r>
+            <a:endParaRPr lang="en-US" altLang="ja-JP" sz="975" dirty="0">
+              <a:latin typeface="メイリオ" panose="020B0604030504040204" pitchFamily="50" charset="-128"/>
+              <a:ea typeface="メイリオ" panose="020B0604030504040204" pitchFamily="50" charset="-128"/>
+            </a:endParaRPr>
+          </a:p>
+        </p:txBody>
+      </p:sp>
+      <p:sp>
+        <p:nvSpPr>
+          <p:cNvPr id="25" name="正方形/長方形 24">
+            <a:extLst>
+              <a:ext uri="{FF2B5EF4-FFF2-40B4-BE49-F238E27FC236}">
+                <a16:creationId xmlns:a16="http://schemas.microsoft.com/office/drawing/2014/main" id="{2814F287-3D93-468D-8F70-336EB65C9490}"/>
+              </a:ext>
+            </a:extLst>
+          </p:cNvPr>
+          <p:cNvSpPr/>
+          <p:nvPr/>
+        </p:nvSpPr>
+        <p:spPr>
+          <a:xfrm>
+            <a:off x="476301" y="5574541"/>
+            <a:ext cx="1831182" cy="297517"/>
+          </a:xfrm>
+          <a:prstGeom prst="rect">
+            <a:avLst/>
+          </a:prstGeom>
+        </p:spPr>
+        <p:txBody>
+          <a:bodyPr wrap="square">
+            <a:spAutoFit/>
+          </a:bodyPr>
+          <a:lstStyle/>
+          <a:p>
+            <a:pPr algn="just">
+              <a:lnSpc>
+                <a:spcPts val="1625"/>
+              </a:lnSpc>
+            </a:pPr>
+            <a:r>
+              <a:rPr lang="ja-JP" altLang="en-US" sz="1138" b="1" dirty="0">
+                <a:latin typeface="メイリオ" panose="020B0604030504040204" pitchFamily="50" charset="-128"/>
+                <a:ea typeface="メイリオ" panose="020B0604030504040204" pitchFamily="50" charset="-128"/>
+              </a:rPr>
+              <a:t>抱えていた課題</a:t>
+            </a:r>
+          </a:p>
+        </p:txBody>
+      </p:sp>
+    </p:spTree>
+    <p:extLst>
+      <p:ext uri="{BB962C8B-B14F-4D97-AF65-F5344CB8AC3E}">
+        <p14:creationId xmlns:p14="http://schemas.microsoft.com/office/powerpoint/2010/main" val="3851616892"/>
+      </p:ext>
+    </p:extLst>
+  </p:cSld>
+  <p:clrMapOvr>
+    <a:masterClrMapping/>
+  </p:clrMapOvr>
+</p:sld>
+</file>
+
+<file path=ppt/slides/slide12.xml><?xml version="1.0" encoding="utf-8"?>
+<p:sld xmlns:a="http://schemas.openxmlformats.org/drawingml/2006/main" xmlns:r="http://schemas.openxmlformats.org/officeDocument/2006/relationships" xmlns:p="http://schemas.openxmlformats.org/presentationml/2006/main">
+  <p:cSld>
+    <p:spTree>
+      <p:nvGrpSpPr>
+        <p:cNvPr id="1" name=""/>
+        <p:cNvGrpSpPr/>
+        <p:nvPr/>
+      </p:nvGrpSpPr>
+      <p:grpSpPr>
+        <a:xfrm>
+          <a:off x="0" y="0"/>
+          <a:ext cx="0" cy="0"/>
+          <a:chOff x="0" y="0"/>
+          <a:chExt cx="0" cy="0"/>
+        </a:xfrm>
+      </p:grpSpPr>
+      <p:sp>
+        <p:nvSpPr>
+          <p:cNvPr id="4" name="テキスト プレースホルダー 2">
+            <a:extLst>
+              <a:ext uri="{FF2B5EF4-FFF2-40B4-BE49-F238E27FC236}">
+                <a16:creationId xmlns:a16="http://schemas.microsoft.com/office/drawing/2014/main" id="{2908B745-4557-41A2-8985-E5BB4470210B}"/>
+              </a:ext>
+            </a:extLst>
+          </p:cNvPr>
+          <p:cNvSpPr txBox="1">
+            <a:spLocks/>
+          </p:cNvSpPr>
+          <p:nvPr/>
+        </p:nvSpPr>
+        <p:spPr>
+          <a:xfrm>
+            <a:off x="0" y="466725"/>
+            <a:ext cx="9905999" cy="453183"/>
+          </a:xfrm>
+          <a:prstGeom prst="rect">
+            <a:avLst/>
+          </a:prstGeom>
+          <a:solidFill>
+            <a:schemeClr val="tx1"/>
+          </a:solidFill>
+        </p:spPr>
+        <p:txBody>
+          <a:bodyPr tIns="108000" anchor="ctr"/>
+          <a:lstStyle>
+            <a:lvl1pPr marL="228600" indent="-228600" algn="l" defTabSz="914400" rtl="0" eaLnBrk="1" latinLnBrk="0" hangingPunct="1">
+              <a:lnSpc>
+                <a:spcPct val="90000"/>
+              </a:lnSpc>
+              <a:spcBef>
+                <a:spcPts val="1000"/>
+              </a:spcBef>
+              <a:buFont typeface="Arial" panose="020B0604020202020204" pitchFamily="34" charset="0"/>
+              <a:buChar char="•"/>
+              <a:defRPr kumimoji="1" sz="2800" kern="1200">
+                <a:solidFill>
+                  <a:schemeClr val="tx1"/>
+                </a:solidFill>
+                <a:latin typeface="+mn-lt"/>
+                <a:ea typeface="+mn-ea"/>
+                <a:cs typeface="+mn-cs"/>
+              </a:defRPr>
+            </a:lvl1pPr>
+            <a:lvl2pPr marL="685800" indent="-228600" algn="l" defTabSz="914400" rtl="0" eaLnBrk="1" latinLnBrk="0" hangingPunct="1">
+              <a:lnSpc>
+                <a:spcPct val="90000"/>
+              </a:lnSpc>
+              <a:spcBef>
+                <a:spcPts val="500"/>
+              </a:spcBef>
+              <a:buFont typeface="Arial" panose="020B0604020202020204" pitchFamily="34" charset="0"/>
+              <a:buChar char="•"/>
+              <a:defRPr kumimoji="1" sz="2400" kern="1200">
+                <a:solidFill>
+                  <a:schemeClr val="tx1"/>
+                </a:solidFill>
+                <a:latin typeface="+mn-lt"/>
+                <a:ea typeface="+mn-ea"/>
+                <a:cs typeface="+mn-cs"/>
+              </a:defRPr>
+            </a:lvl2pPr>
+            <a:lvl3pPr marL="1143000" indent="-228600" algn="l" defTabSz="914400" rtl="0" eaLnBrk="1" latinLnBrk="0" hangingPunct="1">
+              <a:lnSpc>
+                <a:spcPct val="90000"/>
+              </a:lnSpc>
+              <a:spcBef>
+                <a:spcPts val="500"/>
+              </a:spcBef>
+              <a:buFont typeface="Arial" panose="020B0604020202020204" pitchFamily="34" charset="0"/>
+              <a:buChar char="•"/>
+              <a:defRPr kumimoji="1" sz="2000" kern="1200">
+                <a:solidFill>
+                  <a:schemeClr val="tx1"/>
+                </a:solidFill>
+                <a:latin typeface="+mn-lt"/>
+                <a:ea typeface="+mn-ea"/>
+                <a:cs typeface="+mn-cs"/>
+              </a:defRPr>
+            </a:lvl3pPr>
+            <a:lvl4pPr marL="1600200" indent="-228600" algn="l" defTabSz="914400" rtl="0" eaLnBrk="1" latinLnBrk="0" hangingPunct="1">
+              <a:lnSpc>
+                <a:spcPct val="90000"/>
+              </a:lnSpc>
+              <a:spcBef>
+                <a:spcPts val="500"/>
+              </a:spcBef>
+              <a:buFont typeface="Arial" panose="020B0604020202020204" pitchFamily="34" charset="0"/>
+              <a:buChar char="•"/>
+              <a:defRPr kumimoji="1" sz="1800" kern="1200">
+                <a:solidFill>
+                  <a:schemeClr val="tx1"/>
+                </a:solidFill>
+                <a:latin typeface="+mn-lt"/>
+                <a:ea typeface="+mn-ea"/>
+                <a:cs typeface="+mn-cs"/>
+              </a:defRPr>
+            </a:lvl4pPr>
+            <a:lvl5pPr marL="2057400" indent="-228600" algn="l" defTabSz="914400" rtl="0" eaLnBrk="1" latinLnBrk="0" hangingPunct="1">
+              <a:lnSpc>
+                <a:spcPct val="90000"/>
+              </a:lnSpc>
+              <a:spcBef>
+                <a:spcPts val="500"/>
+              </a:spcBef>
+              <a:buFont typeface="Arial" panose="020B0604020202020204" pitchFamily="34" charset="0"/>
+              <a:buChar char="•"/>
+              <a:defRPr kumimoji="1" sz="1800" kern="1200">
+                <a:solidFill>
+                  <a:schemeClr val="tx1"/>
+                </a:solidFill>
+                <a:latin typeface="+mn-lt"/>
+                <a:ea typeface="+mn-ea"/>
+                <a:cs typeface="+mn-cs"/>
+              </a:defRPr>
+            </a:lvl5pPr>
+            <a:lvl6pPr marL="2514600" indent="-228600" algn="l" defTabSz="914400" rtl="0" eaLnBrk="1" latinLnBrk="0" hangingPunct="1">
+              <a:lnSpc>
+                <a:spcPct val="90000"/>
+              </a:lnSpc>
+              <a:spcBef>
+                <a:spcPts val="500"/>
+              </a:spcBef>
+              <a:buFont typeface="Arial" panose="020B0604020202020204" pitchFamily="34" charset="0"/>
+              <a:buChar char="•"/>
+              <a:defRPr kumimoji="1" sz="1800" kern="1200">
+                <a:solidFill>
+                  <a:schemeClr val="tx1"/>
+                </a:solidFill>
+                <a:latin typeface="+mn-lt"/>
+                <a:ea typeface="+mn-ea"/>
+                <a:cs typeface="+mn-cs"/>
+              </a:defRPr>
+            </a:lvl6pPr>
+            <a:lvl7pPr marL="2971800" indent="-228600" algn="l" defTabSz="914400" rtl="0" eaLnBrk="1" latinLnBrk="0" hangingPunct="1">
+              <a:lnSpc>
+                <a:spcPct val="90000"/>
+              </a:lnSpc>
+              <a:spcBef>
+                <a:spcPts val="500"/>
+              </a:spcBef>
+              <a:buFont typeface="Arial" panose="020B0604020202020204" pitchFamily="34" charset="0"/>
+              <a:buChar char="•"/>
+              <a:defRPr kumimoji="1" sz="1800" kern="1200">
+                <a:solidFill>
+                  <a:schemeClr val="tx1"/>
+                </a:solidFill>
+                <a:latin typeface="+mn-lt"/>
+                <a:ea typeface="+mn-ea"/>
+                <a:cs typeface="+mn-cs"/>
+              </a:defRPr>
+            </a:lvl7pPr>
+            <a:lvl8pPr marL="3429000" indent="-228600" algn="l" defTabSz="914400" rtl="0" eaLnBrk="1" latinLnBrk="0" hangingPunct="1">
+              <a:lnSpc>
+                <a:spcPct val="90000"/>
+              </a:lnSpc>
+              <a:spcBef>
+                <a:spcPts val="500"/>
+              </a:spcBef>
+              <a:buFont typeface="Arial" panose="020B0604020202020204" pitchFamily="34" charset="0"/>
+              <a:buChar char="•"/>
+              <a:defRPr kumimoji="1" sz="1800" kern="1200">
+                <a:solidFill>
+                  <a:schemeClr val="tx1"/>
+                </a:solidFill>
+                <a:latin typeface="+mn-lt"/>
+                <a:ea typeface="+mn-ea"/>
+                <a:cs typeface="+mn-cs"/>
+              </a:defRPr>
+            </a:lvl8pPr>
+            <a:lvl9pPr marL="3886200" indent="-228600" algn="l" defTabSz="914400" rtl="0" eaLnBrk="1" latinLnBrk="0" hangingPunct="1">
+              <a:lnSpc>
+                <a:spcPct val="90000"/>
+              </a:lnSpc>
+              <a:spcBef>
+                <a:spcPts val="500"/>
+              </a:spcBef>
+              <a:buFont typeface="Arial" panose="020B0604020202020204" pitchFamily="34" charset="0"/>
+              <a:buChar char="•"/>
+              <a:defRPr kumimoji="1" sz="1800" kern="1200">
+                <a:solidFill>
+                  <a:schemeClr val="tx1"/>
+                </a:solidFill>
+                <a:latin typeface="+mn-lt"/>
+                <a:ea typeface="+mn-ea"/>
+                <a:cs typeface="+mn-cs"/>
+              </a:defRPr>
+            </a:lvl9pPr>
+          </a:lstStyle>
+          <a:p>
+            <a:pPr marL="0" indent="0">
+              <a:buNone/>
+            </a:pPr>
+            <a:r>
+              <a:rPr lang="en-US" altLang="ja-JP" sz="2000" dirty="0">
+                <a:solidFill>
+                  <a:schemeClr val="bg1"/>
+                </a:solidFill>
+                <a:latin typeface="メイリオ" panose="020B0604030504040204" pitchFamily="50" charset="-128"/>
+                <a:ea typeface="メイリオ" panose="020B0604030504040204" pitchFamily="50" charset="-128"/>
+              </a:rPr>
+              <a:t>   </a:t>
+            </a:r>
+            <a:r>
+              <a:rPr lang="ja-JP" altLang="en-US" sz="2000" dirty="0">
+                <a:solidFill>
+                  <a:schemeClr val="bg1"/>
+                </a:solidFill>
+                <a:latin typeface="メイリオ" panose="020B0604030504040204" pitchFamily="50" charset="-128"/>
+                <a:ea typeface="メイリオ" panose="020B0604030504040204" pitchFamily="50" charset="-128"/>
+              </a:rPr>
+              <a:t>採用・マネジメント実績（</a:t>
+            </a:r>
+            <a:r>
+              <a:rPr lang="en-US" altLang="ja-JP" sz="2000" dirty="0">
+                <a:solidFill>
+                  <a:schemeClr val="bg1"/>
+                </a:solidFill>
+                <a:latin typeface="メイリオ" panose="020B0604030504040204" pitchFamily="50" charset="-128"/>
+                <a:ea typeface="メイリオ" panose="020B0604030504040204" pitchFamily="50" charset="-128"/>
+              </a:rPr>
+              <a:t>2/3</a:t>
             </a:r>
             <a:r>
               <a:rPr lang="ja-JP" altLang="en-US" sz="2000" dirty="0">
@@ -6462,7 +8193,7 @@
 </p:sld>
 </file>
 
-<file path=ppt/slides/slide12.xml><?xml version="1.0" encoding="utf-8"?>
+<file path=ppt/slides/slide13.xml><?xml version="1.0" encoding="utf-8"?>
 <p:sld xmlns:a="http://schemas.openxmlformats.org/drawingml/2006/main" xmlns:r="http://schemas.openxmlformats.org/officeDocument/2006/relationships" xmlns:p="http://schemas.openxmlformats.org/presentationml/2006/main">
   <p:cSld>
     <p:spTree>
@@ -6693,7 +8424,7 @@
                 <a:latin typeface="メイリオ" panose="020B0604030504040204" pitchFamily="50" charset="-128"/>
                 <a:ea typeface="メイリオ" panose="020B0604030504040204" pitchFamily="50" charset="-128"/>
               </a:rPr>
-              <a:t>マネジメント実績（</a:t>
+              <a:t>採用・マネジメント実績（</a:t>
             </a:r>
             <a:r>
               <a:rPr lang="en-US" altLang="ja-JP" sz="2000" dirty="0">
@@ -6703,7 +8434,7 @@
                 <a:latin typeface="メイリオ" panose="020B0604030504040204" pitchFamily="50" charset="-128"/>
                 <a:ea typeface="メイリオ" panose="020B0604030504040204" pitchFamily="50" charset="-128"/>
               </a:rPr>
-              <a:t>2/3</a:t>
+              <a:t>3/3</a:t>
             </a:r>
             <a:r>
               <a:rPr lang="ja-JP" altLang="en-US" sz="2000" dirty="0">
@@ -7898,1737 +9629,6 @@
     <p:extLst>
       <p:ext uri="{BB962C8B-B14F-4D97-AF65-F5344CB8AC3E}">
         <p14:creationId xmlns:p14="http://schemas.microsoft.com/office/powerpoint/2010/main" val="1853628859"/>
-      </p:ext>
-    </p:extLst>
-  </p:cSld>
-  <p:clrMapOvr>
-    <a:masterClrMapping/>
-  </p:clrMapOvr>
-</p:sld>
-</file>
-
-<file path=ppt/slides/slide13.xml><?xml version="1.0" encoding="utf-8"?>
-<p:sld xmlns:a="http://schemas.openxmlformats.org/drawingml/2006/main" xmlns:r="http://schemas.openxmlformats.org/officeDocument/2006/relationships" xmlns:p="http://schemas.openxmlformats.org/presentationml/2006/main">
-  <p:cSld>
-    <p:spTree>
-      <p:nvGrpSpPr>
-        <p:cNvPr id="1" name=""/>
-        <p:cNvGrpSpPr/>
-        <p:nvPr/>
-      </p:nvGrpSpPr>
-      <p:grpSpPr>
-        <a:xfrm>
-          <a:off x="0" y="0"/>
-          <a:ext cx="0" cy="0"/>
-          <a:chOff x="0" y="0"/>
-          <a:chExt cx="0" cy="0"/>
-        </a:xfrm>
-      </p:grpSpPr>
-      <p:sp>
-        <p:nvSpPr>
-          <p:cNvPr id="4" name="テキスト プレースホルダー 2">
-            <a:extLst>
-              <a:ext uri="{FF2B5EF4-FFF2-40B4-BE49-F238E27FC236}">
-                <a16:creationId xmlns:a16="http://schemas.microsoft.com/office/drawing/2014/main" id="{2908B745-4557-41A2-8985-E5BB4470210B}"/>
-              </a:ext>
-            </a:extLst>
-          </p:cNvPr>
-          <p:cNvSpPr txBox="1">
-            <a:spLocks/>
-          </p:cNvSpPr>
-          <p:nvPr/>
-        </p:nvSpPr>
-        <p:spPr>
-          <a:xfrm>
-            <a:off x="0" y="466725"/>
-            <a:ext cx="9905999" cy="453183"/>
-          </a:xfrm>
-          <a:prstGeom prst="rect">
-            <a:avLst/>
-          </a:prstGeom>
-          <a:solidFill>
-            <a:schemeClr val="tx1"/>
-          </a:solidFill>
-        </p:spPr>
-        <p:txBody>
-          <a:bodyPr tIns="108000" anchor="ctr"/>
-          <a:lstStyle>
-            <a:lvl1pPr marL="228600" indent="-228600" algn="l" defTabSz="914400" rtl="0" eaLnBrk="1" latinLnBrk="0" hangingPunct="1">
-              <a:lnSpc>
-                <a:spcPct val="90000"/>
-              </a:lnSpc>
-              <a:spcBef>
-                <a:spcPts val="1000"/>
-              </a:spcBef>
-              <a:buFont typeface="Arial" panose="020B0604020202020204" pitchFamily="34" charset="0"/>
-              <a:buChar char="•"/>
-              <a:defRPr kumimoji="1" sz="2800" kern="1200">
-                <a:solidFill>
-                  <a:schemeClr val="tx1"/>
-                </a:solidFill>
-                <a:latin typeface="+mn-lt"/>
-                <a:ea typeface="+mn-ea"/>
-                <a:cs typeface="+mn-cs"/>
-              </a:defRPr>
-            </a:lvl1pPr>
-            <a:lvl2pPr marL="685800" indent="-228600" algn="l" defTabSz="914400" rtl="0" eaLnBrk="1" latinLnBrk="0" hangingPunct="1">
-              <a:lnSpc>
-                <a:spcPct val="90000"/>
-              </a:lnSpc>
-              <a:spcBef>
-                <a:spcPts val="500"/>
-              </a:spcBef>
-              <a:buFont typeface="Arial" panose="020B0604020202020204" pitchFamily="34" charset="0"/>
-              <a:buChar char="•"/>
-              <a:defRPr kumimoji="1" sz="2400" kern="1200">
-                <a:solidFill>
-                  <a:schemeClr val="tx1"/>
-                </a:solidFill>
-                <a:latin typeface="+mn-lt"/>
-                <a:ea typeface="+mn-ea"/>
-                <a:cs typeface="+mn-cs"/>
-              </a:defRPr>
-            </a:lvl2pPr>
-            <a:lvl3pPr marL="1143000" indent="-228600" algn="l" defTabSz="914400" rtl="0" eaLnBrk="1" latinLnBrk="0" hangingPunct="1">
-              <a:lnSpc>
-                <a:spcPct val="90000"/>
-              </a:lnSpc>
-              <a:spcBef>
-                <a:spcPts val="500"/>
-              </a:spcBef>
-              <a:buFont typeface="Arial" panose="020B0604020202020204" pitchFamily="34" charset="0"/>
-              <a:buChar char="•"/>
-              <a:defRPr kumimoji="1" sz="2000" kern="1200">
-                <a:solidFill>
-                  <a:schemeClr val="tx1"/>
-                </a:solidFill>
-                <a:latin typeface="+mn-lt"/>
-                <a:ea typeface="+mn-ea"/>
-                <a:cs typeface="+mn-cs"/>
-              </a:defRPr>
-            </a:lvl3pPr>
-            <a:lvl4pPr marL="1600200" indent="-228600" algn="l" defTabSz="914400" rtl="0" eaLnBrk="1" latinLnBrk="0" hangingPunct="1">
-              <a:lnSpc>
-                <a:spcPct val="90000"/>
-              </a:lnSpc>
-              <a:spcBef>
-                <a:spcPts val="500"/>
-              </a:spcBef>
-              <a:buFont typeface="Arial" panose="020B0604020202020204" pitchFamily="34" charset="0"/>
-              <a:buChar char="•"/>
-              <a:defRPr kumimoji="1" sz="1800" kern="1200">
-                <a:solidFill>
-                  <a:schemeClr val="tx1"/>
-                </a:solidFill>
-                <a:latin typeface="+mn-lt"/>
-                <a:ea typeface="+mn-ea"/>
-                <a:cs typeface="+mn-cs"/>
-              </a:defRPr>
-            </a:lvl4pPr>
-            <a:lvl5pPr marL="2057400" indent="-228600" algn="l" defTabSz="914400" rtl="0" eaLnBrk="1" latinLnBrk="0" hangingPunct="1">
-              <a:lnSpc>
-                <a:spcPct val="90000"/>
-              </a:lnSpc>
-              <a:spcBef>
-                <a:spcPts val="500"/>
-              </a:spcBef>
-              <a:buFont typeface="Arial" panose="020B0604020202020204" pitchFamily="34" charset="0"/>
-              <a:buChar char="•"/>
-              <a:defRPr kumimoji="1" sz="1800" kern="1200">
-                <a:solidFill>
-                  <a:schemeClr val="tx1"/>
-                </a:solidFill>
-                <a:latin typeface="+mn-lt"/>
-                <a:ea typeface="+mn-ea"/>
-                <a:cs typeface="+mn-cs"/>
-              </a:defRPr>
-            </a:lvl5pPr>
-            <a:lvl6pPr marL="2514600" indent="-228600" algn="l" defTabSz="914400" rtl="0" eaLnBrk="1" latinLnBrk="0" hangingPunct="1">
-              <a:lnSpc>
-                <a:spcPct val="90000"/>
-              </a:lnSpc>
-              <a:spcBef>
-                <a:spcPts val="500"/>
-              </a:spcBef>
-              <a:buFont typeface="Arial" panose="020B0604020202020204" pitchFamily="34" charset="0"/>
-              <a:buChar char="•"/>
-              <a:defRPr kumimoji="1" sz="1800" kern="1200">
-                <a:solidFill>
-                  <a:schemeClr val="tx1"/>
-                </a:solidFill>
-                <a:latin typeface="+mn-lt"/>
-                <a:ea typeface="+mn-ea"/>
-                <a:cs typeface="+mn-cs"/>
-              </a:defRPr>
-            </a:lvl6pPr>
-            <a:lvl7pPr marL="2971800" indent="-228600" algn="l" defTabSz="914400" rtl="0" eaLnBrk="1" latinLnBrk="0" hangingPunct="1">
-              <a:lnSpc>
-                <a:spcPct val="90000"/>
-              </a:lnSpc>
-              <a:spcBef>
-                <a:spcPts val="500"/>
-              </a:spcBef>
-              <a:buFont typeface="Arial" panose="020B0604020202020204" pitchFamily="34" charset="0"/>
-              <a:buChar char="•"/>
-              <a:defRPr kumimoji="1" sz="1800" kern="1200">
-                <a:solidFill>
-                  <a:schemeClr val="tx1"/>
-                </a:solidFill>
-                <a:latin typeface="+mn-lt"/>
-                <a:ea typeface="+mn-ea"/>
-                <a:cs typeface="+mn-cs"/>
-              </a:defRPr>
-            </a:lvl7pPr>
-            <a:lvl8pPr marL="3429000" indent="-228600" algn="l" defTabSz="914400" rtl="0" eaLnBrk="1" latinLnBrk="0" hangingPunct="1">
-              <a:lnSpc>
-                <a:spcPct val="90000"/>
-              </a:lnSpc>
-              <a:spcBef>
-                <a:spcPts val="500"/>
-              </a:spcBef>
-              <a:buFont typeface="Arial" panose="020B0604020202020204" pitchFamily="34" charset="0"/>
-              <a:buChar char="•"/>
-              <a:defRPr kumimoji="1" sz="1800" kern="1200">
-                <a:solidFill>
-                  <a:schemeClr val="tx1"/>
-                </a:solidFill>
-                <a:latin typeface="+mn-lt"/>
-                <a:ea typeface="+mn-ea"/>
-                <a:cs typeface="+mn-cs"/>
-              </a:defRPr>
-            </a:lvl8pPr>
-            <a:lvl9pPr marL="3886200" indent="-228600" algn="l" defTabSz="914400" rtl="0" eaLnBrk="1" latinLnBrk="0" hangingPunct="1">
-              <a:lnSpc>
-                <a:spcPct val="90000"/>
-              </a:lnSpc>
-              <a:spcBef>
-                <a:spcPts val="500"/>
-              </a:spcBef>
-              <a:buFont typeface="Arial" panose="020B0604020202020204" pitchFamily="34" charset="0"/>
-              <a:buChar char="•"/>
-              <a:defRPr kumimoji="1" sz="1800" kern="1200">
-                <a:solidFill>
-                  <a:schemeClr val="tx1"/>
-                </a:solidFill>
-                <a:latin typeface="+mn-lt"/>
-                <a:ea typeface="+mn-ea"/>
-                <a:cs typeface="+mn-cs"/>
-              </a:defRPr>
-            </a:lvl9pPr>
-          </a:lstStyle>
-          <a:p>
-            <a:pPr marL="0" indent="0">
-              <a:buNone/>
-            </a:pPr>
-            <a:r>
-              <a:rPr lang="en-US" altLang="ja-JP" sz="2000" dirty="0">
-                <a:solidFill>
-                  <a:schemeClr val="bg1"/>
-                </a:solidFill>
-                <a:latin typeface="メイリオ" panose="020B0604030504040204" pitchFamily="50" charset="-128"/>
-                <a:ea typeface="メイリオ" panose="020B0604030504040204" pitchFamily="50" charset="-128"/>
-              </a:rPr>
-              <a:t>   </a:t>
-            </a:r>
-            <a:r>
-              <a:rPr lang="ja-JP" altLang="en-US" sz="2000" dirty="0">
-                <a:solidFill>
-                  <a:schemeClr val="bg1"/>
-                </a:solidFill>
-                <a:latin typeface="メイリオ" panose="020B0604030504040204" pitchFamily="50" charset="-128"/>
-                <a:ea typeface="メイリオ" panose="020B0604030504040204" pitchFamily="50" charset="-128"/>
-              </a:rPr>
-              <a:t>マネジメント実績（</a:t>
-            </a:r>
-            <a:r>
-              <a:rPr lang="en-US" altLang="ja-JP" sz="2000" dirty="0">
-                <a:solidFill>
-                  <a:schemeClr val="bg1"/>
-                </a:solidFill>
-                <a:latin typeface="メイリオ" panose="020B0604030504040204" pitchFamily="50" charset="-128"/>
-                <a:ea typeface="メイリオ" panose="020B0604030504040204" pitchFamily="50" charset="-128"/>
-              </a:rPr>
-              <a:t>3/3</a:t>
-            </a:r>
-            <a:r>
-              <a:rPr lang="ja-JP" altLang="en-US" sz="2000" dirty="0">
-                <a:solidFill>
-                  <a:schemeClr val="bg1"/>
-                </a:solidFill>
-                <a:latin typeface="メイリオ" panose="020B0604030504040204" pitchFamily="50" charset="-128"/>
-                <a:ea typeface="メイリオ" panose="020B0604030504040204" pitchFamily="50" charset="-128"/>
-              </a:rPr>
-              <a:t>）</a:t>
-            </a:r>
-            <a:endParaRPr lang="en-US" altLang="ja-JP" sz="2000" dirty="0">
-              <a:solidFill>
-                <a:schemeClr val="bg1"/>
-              </a:solidFill>
-              <a:latin typeface="メイリオ" panose="020B0604030504040204" pitchFamily="50" charset="-128"/>
-              <a:ea typeface="メイリオ" panose="020B0604030504040204" pitchFamily="50" charset="-128"/>
-            </a:endParaRPr>
-          </a:p>
-        </p:txBody>
-      </p:sp>
-      <p:sp>
-        <p:nvSpPr>
-          <p:cNvPr id="37" name="正方形/長方形 36">
-            <a:extLst>
-              <a:ext uri="{FF2B5EF4-FFF2-40B4-BE49-F238E27FC236}">
-                <a16:creationId xmlns:a16="http://schemas.microsoft.com/office/drawing/2014/main" id="{366C01F1-DCCB-4531-BC8D-F1B08A1B420F}"/>
-              </a:ext>
-            </a:extLst>
-          </p:cNvPr>
-          <p:cNvSpPr/>
-          <p:nvPr/>
-        </p:nvSpPr>
-        <p:spPr>
-          <a:xfrm>
-            <a:off x="269663" y="1146017"/>
-            <a:ext cx="6897336" cy="307777"/>
-          </a:xfrm>
-          <a:prstGeom prst="rect">
-            <a:avLst/>
-          </a:prstGeom>
-        </p:spPr>
-        <p:txBody>
-          <a:bodyPr wrap="square">
-            <a:spAutoFit/>
-          </a:bodyPr>
-          <a:lstStyle/>
-          <a:p>
-            <a:pPr algn="just">
-              <a:lnSpc>
-                <a:spcPts val="1625"/>
-              </a:lnSpc>
-            </a:pPr>
-            <a:r>
-              <a:rPr lang="en-US" altLang="ja-JP" sz="1600" b="1" dirty="0">
-                <a:latin typeface="メイリオ" panose="020B0604030504040204" pitchFamily="50" charset="-128"/>
-                <a:ea typeface="メイリオ" panose="020B0604030504040204" pitchFamily="50" charset="-128"/>
-              </a:rPr>
-              <a:t>SES</a:t>
-            </a:r>
-            <a:r>
-              <a:rPr lang="ja-JP" altLang="en-US" sz="1600" b="1" dirty="0">
-                <a:latin typeface="メイリオ" panose="020B0604030504040204" pitchFamily="50" charset="-128"/>
-                <a:ea typeface="メイリオ" panose="020B0604030504040204" pitchFamily="50" charset="-128"/>
-              </a:rPr>
-              <a:t>面談による人材の選定</a:t>
-            </a:r>
-          </a:p>
-        </p:txBody>
-      </p:sp>
-      <p:sp>
-        <p:nvSpPr>
-          <p:cNvPr id="38" name="正方形/長方形 37">
-            <a:extLst>
-              <a:ext uri="{FF2B5EF4-FFF2-40B4-BE49-F238E27FC236}">
-                <a16:creationId xmlns:a16="http://schemas.microsoft.com/office/drawing/2014/main" id="{29E7BD35-E259-462C-9BCE-1E44DC9335E1}"/>
-              </a:ext>
-            </a:extLst>
-          </p:cNvPr>
-          <p:cNvSpPr/>
-          <p:nvPr/>
-        </p:nvSpPr>
-        <p:spPr bwMode="auto">
-          <a:xfrm>
-            <a:off x="1150740" y="2438485"/>
-            <a:ext cx="2371726" cy="2397814"/>
-          </a:xfrm>
-          <a:prstGeom prst="rect">
-            <a:avLst/>
-          </a:prstGeom>
-          <a:noFill/>
-          <a:ln w="9525" cap="flat" cmpd="sng" algn="ctr">
-            <a:solidFill>
-              <a:schemeClr val="accent1"/>
-            </a:solidFill>
-            <a:prstDash val="solid"/>
-            <a:round/>
-            <a:headEnd type="none" w="med" len="med"/>
-            <a:tailEnd type="none" w="med" len="med"/>
-          </a:ln>
-          <a:effectLst/>
-        </p:spPr>
-        <p:txBody>
-          <a:bodyPr vert="horz" wrap="square" lIns="74295" tIns="37148" rIns="74295" bIns="37148" numCol="1" rtlCol="0" anchor="ctr" anchorCtr="0" compatLnSpc="1">
-            <a:prstTxWarp prst="textNoShape">
-              <a:avLst/>
-            </a:prstTxWarp>
-          </a:bodyPr>
-          <a:lstStyle/>
-          <a:p>
-            <a:pPr algn="ctr" defTabSz="777737"/>
-            <a:endParaRPr lang="ja-JP" altLang="en-US" sz="731" dirty="0">
-              <a:solidFill>
-                <a:schemeClr val="bg1"/>
-              </a:solidFill>
-              <a:latin typeface="メイリオ" pitchFamily="50" charset="-128"/>
-              <a:ea typeface="メイリオ" pitchFamily="50" charset="-128"/>
-              <a:cs typeface="メイリオ" pitchFamily="50" charset="-128"/>
-            </a:endParaRPr>
-          </a:p>
-        </p:txBody>
-      </p:sp>
-      <p:pic>
-        <p:nvPicPr>
-          <p:cNvPr id="39" name="図 38">
-            <a:extLst>
-              <a:ext uri="{FF2B5EF4-FFF2-40B4-BE49-F238E27FC236}">
-                <a16:creationId xmlns:a16="http://schemas.microsoft.com/office/drawing/2014/main" id="{F08F2032-C4F1-42A6-9A53-B238313958D7}"/>
-              </a:ext>
-            </a:extLst>
-          </p:cNvPr>
-          <p:cNvPicPr>
-            <a:picLocks noChangeAspect="1"/>
-          </p:cNvPicPr>
-          <p:nvPr/>
-        </p:nvPicPr>
-        <p:blipFill>
-          <a:blip r:embed="rId2">
-            <a:duotone>
-              <a:schemeClr val="accent2">
-                <a:shade val="45000"/>
-                <a:satMod val="135000"/>
-              </a:schemeClr>
-              <a:prstClr val="white"/>
-            </a:duotone>
-          </a:blip>
-          <a:stretch>
-            <a:fillRect/>
-          </a:stretch>
-        </p:blipFill>
-        <p:spPr>
-          <a:xfrm>
-            <a:off x="1940596" y="3090121"/>
-            <a:ext cx="792014" cy="938515"/>
-          </a:xfrm>
-          <a:prstGeom prst="rect">
-            <a:avLst/>
-          </a:prstGeom>
-          <a:solidFill>
-            <a:schemeClr val="tx2">
-              <a:lumMod val="40000"/>
-              <a:lumOff val="60000"/>
-            </a:schemeClr>
-          </a:solidFill>
-        </p:spPr>
-      </p:pic>
-      <p:pic>
-        <p:nvPicPr>
-          <p:cNvPr id="40" name="図 39">
-            <a:extLst>
-              <a:ext uri="{FF2B5EF4-FFF2-40B4-BE49-F238E27FC236}">
-                <a16:creationId xmlns:a16="http://schemas.microsoft.com/office/drawing/2014/main" id="{2978B514-AF04-444F-A6D4-C2FDB462A800}"/>
-              </a:ext>
-            </a:extLst>
-          </p:cNvPr>
-          <p:cNvPicPr>
-            <a:picLocks noChangeAspect="1"/>
-          </p:cNvPicPr>
-          <p:nvPr/>
-        </p:nvPicPr>
-        <p:blipFill>
-          <a:blip r:embed="rId2">
-            <a:duotone>
-              <a:schemeClr val="accent5">
-                <a:shade val="45000"/>
-                <a:satMod val="135000"/>
-              </a:schemeClr>
-              <a:prstClr val="white"/>
-            </a:duotone>
-          </a:blip>
-          <a:stretch>
-            <a:fillRect/>
-          </a:stretch>
-        </p:blipFill>
-        <p:spPr>
-          <a:xfrm>
-            <a:off x="4445627" y="2310261"/>
-            <a:ext cx="792014" cy="938515"/>
-          </a:xfrm>
-          <a:prstGeom prst="rect">
-            <a:avLst/>
-          </a:prstGeom>
-          <a:solidFill>
-            <a:schemeClr val="tx2">
-              <a:lumMod val="40000"/>
-              <a:lumOff val="60000"/>
-            </a:schemeClr>
-          </a:solidFill>
-        </p:spPr>
-      </p:pic>
-      <p:sp>
-        <p:nvSpPr>
-          <p:cNvPr id="41" name="矢印: 左右 40">
-            <a:extLst>
-              <a:ext uri="{FF2B5EF4-FFF2-40B4-BE49-F238E27FC236}">
-                <a16:creationId xmlns:a16="http://schemas.microsoft.com/office/drawing/2014/main" id="{C84FCF7F-5DF7-4694-8270-BFE2823728F2}"/>
-              </a:ext>
-            </a:extLst>
-          </p:cNvPr>
-          <p:cNvSpPr/>
-          <p:nvPr/>
-        </p:nvSpPr>
-        <p:spPr bwMode="auto">
-          <a:xfrm>
-            <a:off x="3073170" y="3318425"/>
-            <a:ext cx="1165197" cy="526256"/>
-          </a:xfrm>
-          <a:prstGeom prst="leftRightArrow">
-            <a:avLst/>
-          </a:prstGeom>
-          <a:solidFill>
-            <a:srgbClr val="FF0000"/>
-          </a:solidFill>
-          <a:ln w="9525" cap="flat" cmpd="sng" algn="ctr">
-            <a:noFill/>
-            <a:prstDash val="solid"/>
-            <a:round/>
-            <a:headEnd type="none" w="med" len="med"/>
-            <a:tailEnd type="none" w="med" len="med"/>
-          </a:ln>
-          <a:effectLst/>
-        </p:spPr>
-        <p:txBody>
-          <a:bodyPr vert="horz" wrap="square" lIns="74295" tIns="37148" rIns="74295" bIns="37148" numCol="1" rtlCol="0" anchor="ctr" anchorCtr="0" compatLnSpc="1">
-            <a:prstTxWarp prst="textNoShape">
-              <a:avLst/>
-            </a:prstTxWarp>
-          </a:bodyPr>
-          <a:lstStyle/>
-          <a:p>
-            <a:pPr algn="ctr" defTabSz="777737"/>
-            <a:endParaRPr lang="ja-JP" altLang="en-US" sz="731" dirty="0">
-              <a:solidFill>
-                <a:schemeClr val="bg1"/>
-              </a:solidFill>
-              <a:latin typeface="メイリオ" pitchFamily="50" charset="-128"/>
-              <a:ea typeface="メイリオ" pitchFamily="50" charset="-128"/>
-              <a:cs typeface="メイリオ" pitchFamily="50" charset="-128"/>
-            </a:endParaRPr>
-          </a:p>
-        </p:txBody>
-      </p:sp>
-      <p:sp>
-        <p:nvSpPr>
-          <p:cNvPr id="42" name="テキスト ボックス 41">
-            <a:extLst>
-              <a:ext uri="{FF2B5EF4-FFF2-40B4-BE49-F238E27FC236}">
-                <a16:creationId xmlns:a16="http://schemas.microsoft.com/office/drawing/2014/main" id="{681586FE-83A9-442F-8A50-7FAB85442D8E}"/>
-              </a:ext>
-            </a:extLst>
-          </p:cNvPr>
-          <p:cNvSpPr txBox="1"/>
-          <p:nvPr/>
-        </p:nvSpPr>
-        <p:spPr>
-          <a:xfrm>
-            <a:off x="2198455" y="4044691"/>
-            <a:ext cx="309700" cy="242374"/>
-          </a:xfrm>
-          <a:prstGeom prst="rect">
-            <a:avLst/>
-          </a:prstGeom>
-          <a:noFill/>
-        </p:spPr>
-        <p:txBody>
-          <a:bodyPr wrap="none" rtlCol="0">
-            <a:spAutoFit/>
-          </a:bodyPr>
-          <a:lstStyle/>
-          <a:p>
-            <a:r>
-              <a:rPr lang="ja-JP" altLang="en-US" sz="975" dirty="0">
-                <a:latin typeface="メイリオ" panose="020B0604030504040204" pitchFamily="50" charset="-128"/>
-                <a:ea typeface="メイリオ" panose="020B0604030504040204" pitchFamily="50" charset="-128"/>
-              </a:rPr>
-              <a:t>私</a:t>
-            </a:r>
-          </a:p>
-        </p:txBody>
-      </p:sp>
-      <p:sp>
-        <p:nvSpPr>
-          <p:cNvPr id="43" name="テキスト ボックス 42">
-            <a:extLst>
-              <a:ext uri="{FF2B5EF4-FFF2-40B4-BE49-F238E27FC236}">
-                <a16:creationId xmlns:a16="http://schemas.microsoft.com/office/drawing/2014/main" id="{3F4EBC96-2C3C-49FE-836E-B5A60999B342}"/>
-              </a:ext>
-            </a:extLst>
-          </p:cNvPr>
-          <p:cNvSpPr txBox="1"/>
-          <p:nvPr/>
-        </p:nvSpPr>
-        <p:spPr>
-          <a:xfrm>
-            <a:off x="4459964" y="3280308"/>
-            <a:ext cx="809837" cy="242374"/>
-          </a:xfrm>
-          <a:prstGeom prst="rect">
-            <a:avLst/>
-          </a:prstGeom>
-          <a:noFill/>
-        </p:spPr>
-        <p:txBody>
-          <a:bodyPr wrap="none" rtlCol="0">
-            <a:spAutoFit/>
-          </a:bodyPr>
-          <a:lstStyle/>
-          <a:p>
-            <a:r>
-              <a:rPr lang="ja-JP" altLang="en-US" sz="975" dirty="0">
-                <a:latin typeface="メイリオ" panose="020B0604030504040204" pitchFamily="50" charset="-128"/>
-                <a:ea typeface="メイリオ" panose="020B0604030504040204" pitchFamily="50" charset="-128"/>
-              </a:rPr>
-              <a:t>候補技術者</a:t>
-            </a:r>
-          </a:p>
-        </p:txBody>
-      </p:sp>
-      <p:sp>
-        <p:nvSpPr>
-          <p:cNvPr id="44" name="正方形/長方形 43">
-            <a:extLst>
-              <a:ext uri="{FF2B5EF4-FFF2-40B4-BE49-F238E27FC236}">
-                <a16:creationId xmlns:a16="http://schemas.microsoft.com/office/drawing/2014/main" id="{3F7C297B-3BF3-4359-8D72-E487C4C62547}"/>
-              </a:ext>
-            </a:extLst>
-          </p:cNvPr>
-          <p:cNvSpPr/>
-          <p:nvPr/>
-        </p:nvSpPr>
-        <p:spPr>
-          <a:xfrm>
-            <a:off x="6212035" y="2663621"/>
-            <a:ext cx="3693965" cy="1104470"/>
-          </a:xfrm>
-          <a:prstGeom prst="rect">
-            <a:avLst/>
-          </a:prstGeom>
-        </p:spPr>
-        <p:txBody>
-          <a:bodyPr wrap="square">
-            <a:spAutoFit/>
-          </a:bodyPr>
-          <a:lstStyle/>
-          <a:p>
-            <a:pPr marL="139297" indent="-139297" algn="just">
-              <a:lnSpc>
-                <a:spcPts val="1625"/>
-              </a:lnSpc>
-              <a:buFont typeface="Arial" panose="020B0604020202020204" pitchFamily="34" charset="0"/>
-              <a:buChar char="•"/>
-            </a:pPr>
-            <a:r>
-              <a:rPr lang="ja-JP" altLang="en-US" sz="975" kern="100" dirty="0">
-                <a:latin typeface="メイリオ" panose="020B0604030504040204" pitchFamily="50" charset="-128"/>
-                <a:ea typeface="メイリオ" panose="020B0604030504040204" pitchFamily="50" charset="-128"/>
-              </a:rPr>
-              <a:t>顧客や受け入れるチームとの必要スキル認識合わせ</a:t>
-            </a:r>
-            <a:endParaRPr lang="en-US" altLang="ja-JP" sz="975" kern="100" dirty="0">
-              <a:latin typeface="メイリオ" panose="020B0604030504040204" pitchFamily="50" charset="-128"/>
-              <a:ea typeface="メイリオ" panose="020B0604030504040204" pitchFamily="50" charset="-128"/>
-            </a:endParaRPr>
-          </a:p>
-          <a:p>
-            <a:pPr marL="139297" indent="-139297" algn="just">
-              <a:lnSpc>
-                <a:spcPts val="1625"/>
-              </a:lnSpc>
-              <a:buFont typeface="Arial" panose="020B0604020202020204" pitchFamily="34" charset="0"/>
-              <a:buChar char="•"/>
-            </a:pPr>
-            <a:r>
-              <a:rPr lang="en-US" altLang="ja-JP" sz="975" kern="100" dirty="0">
-                <a:latin typeface="メイリオ" panose="020B0604030504040204" pitchFamily="50" charset="-128"/>
-                <a:ea typeface="メイリオ" panose="020B0604030504040204" pitchFamily="50" charset="-128"/>
-              </a:rPr>
-              <a:t>SES</a:t>
-            </a:r>
-            <a:r>
-              <a:rPr lang="ja-JP" altLang="en-US" sz="975" kern="100" dirty="0">
-                <a:latin typeface="メイリオ" panose="020B0604030504040204" pitchFamily="50" charset="-128"/>
-                <a:ea typeface="メイリオ" panose="020B0604030504040204" pitchFamily="50" charset="-128"/>
-              </a:rPr>
-              <a:t>面談への参加</a:t>
-            </a:r>
-            <a:endParaRPr lang="en-US" altLang="ja-JP" sz="975" kern="100" dirty="0">
-              <a:latin typeface="メイリオ" panose="020B0604030504040204" pitchFamily="50" charset="-128"/>
-              <a:ea typeface="メイリオ" panose="020B0604030504040204" pitchFamily="50" charset="-128"/>
-            </a:endParaRPr>
-          </a:p>
-          <a:p>
-            <a:pPr marL="139297" indent="-139297" algn="just">
-              <a:lnSpc>
-                <a:spcPts val="1625"/>
-              </a:lnSpc>
-              <a:buFont typeface="Arial" panose="020B0604020202020204" pitchFamily="34" charset="0"/>
-              <a:buChar char="•"/>
-            </a:pPr>
-            <a:r>
-              <a:rPr lang="ja-JP" altLang="en-US" sz="975" dirty="0">
-                <a:latin typeface="メイリオ" panose="020B0604030504040204" pitchFamily="50" charset="-128"/>
-                <a:ea typeface="メイリオ" panose="020B0604030504040204" pitchFamily="50" charset="-128"/>
-              </a:rPr>
-              <a:t>面接後、採用可否を判断</a:t>
-            </a:r>
-            <a:endParaRPr lang="en-US" altLang="ja-JP" sz="975" dirty="0">
-              <a:latin typeface="メイリオ" panose="020B0604030504040204" pitchFamily="50" charset="-128"/>
-              <a:ea typeface="メイリオ" panose="020B0604030504040204" pitchFamily="50" charset="-128"/>
-            </a:endParaRPr>
-          </a:p>
-          <a:p>
-            <a:pPr marL="139297" indent="-139297" algn="just">
-              <a:lnSpc>
-                <a:spcPts val="1625"/>
-              </a:lnSpc>
-              <a:buFont typeface="Arial" panose="020B0604020202020204" pitchFamily="34" charset="0"/>
-              <a:buChar char="•"/>
-            </a:pPr>
-            <a:r>
-              <a:rPr lang="en-US" altLang="ja-JP" sz="975" dirty="0">
-                <a:latin typeface="メイリオ" panose="020B0604030504040204" pitchFamily="50" charset="-128"/>
-                <a:ea typeface="メイリオ" panose="020B0604030504040204" pitchFamily="50" charset="-128"/>
-              </a:rPr>
-              <a:t>SES</a:t>
-            </a:r>
-            <a:r>
-              <a:rPr lang="ja-JP" altLang="en-US" sz="975" dirty="0">
-                <a:latin typeface="メイリオ" panose="020B0604030504040204" pitchFamily="50" charset="-128"/>
-                <a:ea typeface="メイリオ" panose="020B0604030504040204" pitchFamily="50" charset="-128"/>
-              </a:rPr>
-              <a:t>営業担当者との価格交渉</a:t>
-            </a:r>
-            <a:endParaRPr lang="en-US" altLang="ja-JP" sz="975" dirty="0">
-              <a:latin typeface="メイリオ" panose="020B0604030504040204" pitchFamily="50" charset="-128"/>
-              <a:ea typeface="メイリオ" panose="020B0604030504040204" pitchFamily="50" charset="-128"/>
-            </a:endParaRPr>
-          </a:p>
-          <a:p>
-            <a:pPr marL="139297" indent="-139297" algn="just">
-              <a:lnSpc>
-                <a:spcPts val="1625"/>
-              </a:lnSpc>
-              <a:buFont typeface="Arial" panose="020B0604020202020204" pitchFamily="34" charset="0"/>
-              <a:buChar char="•"/>
-            </a:pPr>
-            <a:r>
-              <a:rPr lang="ja-JP" altLang="en-US" sz="975" dirty="0">
-                <a:latin typeface="メイリオ" panose="020B0604030504040204" pitchFamily="50" charset="-128"/>
-                <a:ea typeface="メイリオ" panose="020B0604030504040204" pitchFamily="50" charset="-128"/>
-              </a:rPr>
-              <a:t>個別契約書作成</a:t>
-            </a:r>
-            <a:endParaRPr lang="en-US" altLang="ja-JP" sz="975" dirty="0">
-              <a:latin typeface="メイリオ" panose="020B0604030504040204" pitchFamily="50" charset="-128"/>
-              <a:ea typeface="メイリオ" panose="020B0604030504040204" pitchFamily="50" charset="-128"/>
-            </a:endParaRPr>
-          </a:p>
-        </p:txBody>
-      </p:sp>
-      <p:sp>
-        <p:nvSpPr>
-          <p:cNvPr id="45" name="フリーフォーム: 図形 29">
-            <a:extLst>
-              <a:ext uri="{FF2B5EF4-FFF2-40B4-BE49-F238E27FC236}">
-                <a16:creationId xmlns:a16="http://schemas.microsoft.com/office/drawing/2014/main" id="{751E41DA-E191-4D8E-ADF6-756368D9B7A0}"/>
-              </a:ext>
-            </a:extLst>
-          </p:cNvPr>
-          <p:cNvSpPr/>
-          <p:nvPr/>
-        </p:nvSpPr>
-        <p:spPr bwMode="auto">
-          <a:xfrm flipV="1">
-            <a:off x="6112020" y="1330737"/>
-            <a:ext cx="3128964" cy="5127009"/>
-          </a:xfrm>
-          <a:custGeom>
-            <a:avLst/>
-            <a:gdLst>
-              <a:gd name="connsiteX0" fmla="*/ 0 w 4368800"/>
-              <a:gd name="connsiteY0" fmla="*/ 0 h 1587500"/>
-              <a:gd name="connsiteX1" fmla="*/ 0 w 4368800"/>
-              <a:gd name="connsiteY1" fmla="*/ 1587500 h 1587500"/>
-              <a:gd name="connsiteX2" fmla="*/ 4368800 w 4368800"/>
-              <a:gd name="connsiteY2" fmla="*/ 1587500 h 1587500"/>
-            </a:gdLst>
-            <a:ahLst/>
-            <a:cxnLst>
-              <a:cxn ang="0">
-                <a:pos x="connsiteX0" y="connsiteY0"/>
-              </a:cxn>
-              <a:cxn ang="0">
-                <a:pos x="connsiteX1" y="connsiteY1"/>
-              </a:cxn>
-              <a:cxn ang="0">
-                <a:pos x="connsiteX2" y="connsiteY2"/>
-              </a:cxn>
-            </a:cxnLst>
-            <a:rect l="l" t="t" r="r" b="b"/>
-            <a:pathLst>
-              <a:path w="4368800" h="1587500">
-                <a:moveTo>
-                  <a:pt x="0" y="0"/>
-                </a:moveTo>
-                <a:lnTo>
-                  <a:pt x="0" y="1587500"/>
-                </a:lnTo>
-                <a:lnTo>
-                  <a:pt x="4368800" y="1587500"/>
-                </a:lnTo>
-              </a:path>
-            </a:pathLst>
-          </a:custGeom>
-          <a:noFill/>
-          <a:ln w="6350" cap="flat" cmpd="sng" algn="ctr">
-            <a:solidFill>
-              <a:schemeClr val="tx1">
-                <a:lumMod val="75000"/>
-                <a:lumOff val="25000"/>
-              </a:schemeClr>
-            </a:solidFill>
-            <a:prstDash val="sysDash"/>
-            <a:round/>
-            <a:headEnd type="none" w="med" len="med"/>
-            <a:tailEnd type="none" w="med" len="med"/>
-          </a:ln>
-          <a:effectLst/>
-        </p:spPr>
-        <p:txBody>
-          <a:bodyPr anchor="ctr"/>
-          <a:lstStyle/>
-          <a:p>
-            <a:pPr algn="ctr" eaLnBrk="1" hangingPunct="1">
-              <a:defRPr/>
-            </a:pPr>
-            <a:endParaRPr lang="ja-JP" altLang="en-US" sz="1463">
-              <a:latin typeface="Meiryo UI" panose="020B0604030504040204" pitchFamily="50" charset="-128"/>
-              <a:ea typeface="Meiryo UI" panose="020B0604030504040204" pitchFamily="50" charset="-128"/>
-              <a:cs typeface="Meiryo UI" panose="020B0604030504040204" pitchFamily="50" charset="-128"/>
-            </a:endParaRPr>
-          </a:p>
-        </p:txBody>
-      </p:sp>
-      <p:sp>
-        <p:nvSpPr>
-          <p:cNvPr id="46" name="正方形/長方形 45">
-            <a:extLst>
-              <a:ext uri="{FF2B5EF4-FFF2-40B4-BE49-F238E27FC236}">
-                <a16:creationId xmlns:a16="http://schemas.microsoft.com/office/drawing/2014/main" id="{BFA1F446-1582-4BB3-8778-BFFCA2FB0EED}"/>
-              </a:ext>
-            </a:extLst>
-          </p:cNvPr>
-          <p:cNvSpPr/>
-          <p:nvPr/>
-        </p:nvSpPr>
-        <p:spPr>
-          <a:xfrm>
-            <a:off x="6176318" y="2438485"/>
-            <a:ext cx="1831182" cy="297517"/>
-          </a:xfrm>
-          <a:prstGeom prst="rect">
-            <a:avLst/>
-          </a:prstGeom>
-        </p:spPr>
-        <p:txBody>
-          <a:bodyPr wrap="square">
-            <a:spAutoFit/>
-          </a:bodyPr>
-          <a:lstStyle/>
-          <a:p>
-            <a:pPr algn="just">
-              <a:lnSpc>
-                <a:spcPts val="1625"/>
-              </a:lnSpc>
-            </a:pPr>
-            <a:r>
-              <a:rPr lang="ja-JP" altLang="en-US" sz="1138" b="1" dirty="0">
-                <a:latin typeface="メイリオ" panose="020B0604030504040204" pitchFamily="50" charset="-128"/>
-                <a:ea typeface="メイリオ" panose="020B0604030504040204" pitchFamily="50" charset="-128"/>
-              </a:rPr>
-              <a:t>業務内容</a:t>
-            </a:r>
-          </a:p>
-        </p:txBody>
-      </p:sp>
-      <p:sp>
-        <p:nvSpPr>
-          <p:cNvPr id="47" name="正方形/長方形 46">
-            <a:extLst>
-              <a:ext uri="{FF2B5EF4-FFF2-40B4-BE49-F238E27FC236}">
-                <a16:creationId xmlns:a16="http://schemas.microsoft.com/office/drawing/2014/main" id="{E46FDDDC-1E0E-42F0-A79C-804B17820BDD}"/>
-              </a:ext>
-            </a:extLst>
-          </p:cNvPr>
-          <p:cNvSpPr/>
-          <p:nvPr/>
-        </p:nvSpPr>
-        <p:spPr>
-          <a:xfrm>
-            <a:off x="6197748" y="4047139"/>
-            <a:ext cx="1831182" cy="283732"/>
-          </a:xfrm>
-          <a:prstGeom prst="rect">
-            <a:avLst/>
-          </a:prstGeom>
-        </p:spPr>
-        <p:txBody>
-          <a:bodyPr wrap="square">
-            <a:spAutoFit/>
-          </a:bodyPr>
-          <a:lstStyle/>
-          <a:p>
-            <a:pPr algn="just">
-              <a:lnSpc>
-                <a:spcPts val="1625"/>
-              </a:lnSpc>
-            </a:pPr>
-            <a:r>
-              <a:rPr lang="en-US" altLang="ja-JP" sz="975" dirty="0">
-                <a:latin typeface="メイリオ" panose="020B0604030504040204" pitchFamily="50" charset="-128"/>
-                <a:ea typeface="メイリオ" panose="020B0604030504040204" pitchFamily="50" charset="-128"/>
-              </a:rPr>
-              <a:t>2019</a:t>
-            </a:r>
-            <a:r>
-              <a:rPr lang="ja-JP" altLang="en-US" sz="975" dirty="0">
-                <a:latin typeface="メイリオ" panose="020B0604030504040204" pitchFamily="50" charset="-128"/>
-                <a:ea typeface="メイリオ" panose="020B0604030504040204" pitchFamily="50" charset="-128"/>
-              </a:rPr>
-              <a:t>年</a:t>
-            </a:r>
-            <a:r>
-              <a:rPr lang="en-US" altLang="ja-JP" sz="975" dirty="0">
-                <a:latin typeface="メイリオ" panose="020B0604030504040204" pitchFamily="50" charset="-128"/>
-                <a:ea typeface="メイリオ" panose="020B0604030504040204" pitchFamily="50" charset="-128"/>
-              </a:rPr>
-              <a:t>1</a:t>
-            </a:r>
-            <a:r>
-              <a:rPr lang="ja-JP" altLang="en-US" sz="975" dirty="0">
-                <a:latin typeface="メイリオ" panose="020B0604030504040204" pitchFamily="50" charset="-128"/>
-                <a:ea typeface="メイリオ" panose="020B0604030504040204" pitchFamily="50" charset="-128"/>
-              </a:rPr>
-              <a:t>月～現在</a:t>
-            </a:r>
-          </a:p>
-        </p:txBody>
-      </p:sp>
-      <p:sp>
-        <p:nvSpPr>
-          <p:cNvPr id="48" name="正方形/長方形 47">
-            <a:extLst>
-              <a:ext uri="{FF2B5EF4-FFF2-40B4-BE49-F238E27FC236}">
-                <a16:creationId xmlns:a16="http://schemas.microsoft.com/office/drawing/2014/main" id="{74787421-E553-461D-B9DC-F76651BE72E7}"/>
-              </a:ext>
-            </a:extLst>
-          </p:cNvPr>
-          <p:cNvSpPr/>
-          <p:nvPr/>
-        </p:nvSpPr>
-        <p:spPr>
-          <a:xfrm>
-            <a:off x="6190605" y="3822007"/>
-            <a:ext cx="1831182" cy="297517"/>
-          </a:xfrm>
-          <a:prstGeom prst="rect">
-            <a:avLst/>
-          </a:prstGeom>
-        </p:spPr>
-        <p:txBody>
-          <a:bodyPr wrap="square">
-            <a:spAutoFit/>
-          </a:bodyPr>
-          <a:lstStyle/>
-          <a:p>
-            <a:pPr algn="just">
-              <a:lnSpc>
-                <a:spcPts val="1625"/>
-              </a:lnSpc>
-            </a:pPr>
-            <a:r>
-              <a:rPr lang="ja-JP" altLang="en-US" sz="1138" b="1" dirty="0">
-                <a:latin typeface="メイリオ" panose="020B0604030504040204" pitchFamily="50" charset="-128"/>
-                <a:ea typeface="メイリオ" panose="020B0604030504040204" pitchFamily="50" charset="-128"/>
-              </a:rPr>
-              <a:t>期間</a:t>
-            </a:r>
-          </a:p>
-        </p:txBody>
-      </p:sp>
-      <p:sp>
-        <p:nvSpPr>
-          <p:cNvPr id="49" name="正方形/長方形 48">
-            <a:extLst>
-              <a:ext uri="{FF2B5EF4-FFF2-40B4-BE49-F238E27FC236}">
-                <a16:creationId xmlns:a16="http://schemas.microsoft.com/office/drawing/2014/main" id="{FB03EEB2-9817-4E1C-A0DF-D0F63CF41472}"/>
-              </a:ext>
-            </a:extLst>
-          </p:cNvPr>
-          <p:cNvSpPr/>
-          <p:nvPr/>
-        </p:nvSpPr>
-        <p:spPr>
-          <a:xfrm>
-            <a:off x="6183461" y="1613577"/>
-            <a:ext cx="3414712" cy="694101"/>
-          </a:xfrm>
-          <a:prstGeom prst="rect">
-            <a:avLst/>
-          </a:prstGeom>
-        </p:spPr>
-        <p:txBody>
-          <a:bodyPr wrap="square">
-            <a:spAutoFit/>
-          </a:bodyPr>
-          <a:lstStyle/>
-          <a:p>
-            <a:pPr algn="just">
-              <a:lnSpc>
-                <a:spcPts val="1625"/>
-              </a:lnSpc>
-            </a:pPr>
-            <a:r>
-              <a:rPr lang="ja-JP" altLang="en-US" sz="975" dirty="0">
-                <a:latin typeface="メイリオ" panose="020B0604030504040204" pitchFamily="50" charset="-128"/>
-                <a:ea typeface="メイリオ" panose="020B0604030504040204" pitchFamily="50" charset="-128"/>
-              </a:rPr>
-              <a:t>オンサイトの募集ポジションに適した人材かどうか、</a:t>
-            </a:r>
-            <a:endParaRPr lang="en-US" altLang="ja-JP" sz="975" dirty="0">
-              <a:latin typeface="メイリオ" panose="020B0604030504040204" pitchFamily="50" charset="-128"/>
-              <a:ea typeface="メイリオ" panose="020B0604030504040204" pitchFamily="50" charset="-128"/>
-            </a:endParaRPr>
-          </a:p>
-          <a:p>
-            <a:pPr algn="just">
-              <a:lnSpc>
-                <a:spcPts val="1625"/>
-              </a:lnSpc>
-            </a:pPr>
-            <a:r>
-              <a:rPr lang="ja-JP" altLang="en-US" sz="975" dirty="0">
-                <a:latin typeface="メイリオ" panose="020B0604030504040204" pitchFamily="50" charset="-128"/>
-                <a:ea typeface="メイリオ" panose="020B0604030504040204" pitchFamily="50" charset="-128"/>
-              </a:rPr>
-              <a:t>精度を高めるため可能な限り募集ポジションに対し、</a:t>
-            </a:r>
-            <a:endParaRPr lang="en-US" altLang="ja-JP" sz="975" dirty="0">
-              <a:latin typeface="メイリオ" panose="020B0604030504040204" pitchFamily="50" charset="-128"/>
-              <a:ea typeface="メイリオ" panose="020B0604030504040204" pitchFamily="50" charset="-128"/>
-            </a:endParaRPr>
-          </a:p>
-          <a:p>
-            <a:pPr algn="just">
-              <a:lnSpc>
-                <a:spcPts val="1625"/>
-              </a:lnSpc>
-            </a:pPr>
-            <a:r>
-              <a:rPr lang="ja-JP" altLang="en-US" sz="975" dirty="0">
-                <a:latin typeface="メイリオ" panose="020B0604030504040204" pitchFamily="50" charset="-128"/>
-                <a:ea typeface="メイリオ" panose="020B0604030504040204" pitchFamily="50" charset="-128"/>
-              </a:rPr>
-              <a:t>複数名の面談を実施</a:t>
-            </a:r>
-            <a:endParaRPr lang="en-US" altLang="ja-JP" sz="975" dirty="0">
-              <a:latin typeface="メイリオ" panose="020B0604030504040204" pitchFamily="50" charset="-128"/>
-              <a:ea typeface="メイリオ" panose="020B0604030504040204" pitchFamily="50" charset="-128"/>
-            </a:endParaRPr>
-          </a:p>
-        </p:txBody>
-      </p:sp>
-      <p:sp>
-        <p:nvSpPr>
-          <p:cNvPr id="50" name="正方形/長方形 49">
-            <a:extLst>
-              <a:ext uri="{FF2B5EF4-FFF2-40B4-BE49-F238E27FC236}">
-                <a16:creationId xmlns:a16="http://schemas.microsoft.com/office/drawing/2014/main" id="{9D54084E-9333-4343-9245-3251D296D440}"/>
-              </a:ext>
-            </a:extLst>
-          </p:cNvPr>
-          <p:cNvSpPr/>
-          <p:nvPr/>
-        </p:nvSpPr>
-        <p:spPr>
-          <a:xfrm>
-            <a:off x="6176318" y="1381995"/>
-            <a:ext cx="1831182" cy="297517"/>
-          </a:xfrm>
-          <a:prstGeom prst="rect">
-            <a:avLst/>
-          </a:prstGeom>
-        </p:spPr>
-        <p:txBody>
-          <a:bodyPr wrap="square">
-            <a:spAutoFit/>
-          </a:bodyPr>
-          <a:lstStyle/>
-          <a:p>
-            <a:pPr algn="just">
-              <a:lnSpc>
-                <a:spcPts val="1625"/>
-              </a:lnSpc>
-            </a:pPr>
-            <a:r>
-              <a:rPr lang="ja-JP" altLang="en-US" sz="1138" b="1" dirty="0">
-                <a:latin typeface="メイリオ" panose="020B0604030504040204" pitchFamily="50" charset="-128"/>
-                <a:ea typeface="メイリオ" panose="020B0604030504040204" pitchFamily="50" charset="-128"/>
-              </a:rPr>
-              <a:t>業務概要</a:t>
-            </a:r>
-          </a:p>
-        </p:txBody>
-      </p:sp>
-      <p:sp>
-        <p:nvSpPr>
-          <p:cNvPr id="51" name="正方形/長方形 50">
-            <a:extLst>
-              <a:ext uri="{FF2B5EF4-FFF2-40B4-BE49-F238E27FC236}">
-                <a16:creationId xmlns:a16="http://schemas.microsoft.com/office/drawing/2014/main" id="{B833D56C-A7BB-4420-9A7E-C151E6129DC5}"/>
-              </a:ext>
-            </a:extLst>
-          </p:cNvPr>
-          <p:cNvSpPr/>
-          <p:nvPr/>
-        </p:nvSpPr>
-        <p:spPr>
-          <a:xfrm>
-            <a:off x="6197747" y="4609064"/>
-            <a:ext cx="3231952" cy="1104470"/>
-          </a:xfrm>
-          <a:prstGeom prst="rect">
-            <a:avLst/>
-          </a:prstGeom>
-        </p:spPr>
-        <p:txBody>
-          <a:bodyPr wrap="square">
-            <a:spAutoFit/>
-          </a:bodyPr>
-          <a:lstStyle/>
-          <a:p>
-            <a:pPr marL="139297" indent="-139297">
-              <a:lnSpc>
-                <a:spcPts val="1625"/>
-              </a:lnSpc>
-              <a:buFont typeface="Arial" panose="020B0604020202020204" pitchFamily="34" charset="0"/>
-              <a:buChar char="•"/>
-            </a:pPr>
-            <a:r>
-              <a:rPr lang="ja-JP" altLang="en-US" sz="975" dirty="0">
-                <a:latin typeface="メイリオ" panose="020B0604030504040204" pitchFamily="50" charset="-128"/>
-                <a:ea typeface="メイリオ" panose="020B0604030504040204" pitchFamily="50" charset="-128"/>
-              </a:rPr>
-              <a:t>スキルセットの入念なヒアリング</a:t>
-            </a:r>
-            <a:endParaRPr lang="en-US" altLang="ja-JP" sz="975" dirty="0">
-              <a:latin typeface="メイリオ" panose="020B0604030504040204" pitchFamily="50" charset="-128"/>
-              <a:ea typeface="メイリオ" panose="020B0604030504040204" pitchFamily="50" charset="-128"/>
-            </a:endParaRPr>
-          </a:p>
-          <a:p>
-            <a:pPr marL="139297" indent="-139297">
-              <a:lnSpc>
-                <a:spcPts val="1625"/>
-              </a:lnSpc>
-              <a:buFont typeface="Arial" panose="020B0604020202020204" pitchFamily="34" charset="0"/>
-              <a:buChar char="•"/>
-            </a:pPr>
-            <a:r>
-              <a:rPr lang="ja-JP" altLang="en-US" sz="975" dirty="0">
-                <a:latin typeface="メイリオ" panose="020B0604030504040204" pitchFamily="50" charset="-128"/>
-                <a:ea typeface="メイリオ" panose="020B0604030504040204" pitchFamily="50" charset="-128"/>
-              </a:rPr>
-              <a:t>現場ニーズにマッチした人材選定</a:t>
-            </a:r>
-            <a:endParaRPr lang="en-US" altLang="ja-JP" sz="975" dirty="0">
-              <a:latin typeface="メイリオ" panose="020B0604030504040204" pitchFamily="50" charset="-128"/>
-              <a:ea typeface="メイリオ" panose="020B0604030504040204" pitchFamily="50" charset="-128"/>
-            </a:endParaRPr>
-          </a:p>
-          <a:p>
-            <a:pPr marL="139297" indent="-139297">
-              <a:lnSpc>
-                <a:spcPts val="1625"/>
-              </a:lnSpc>
-              <a:buFont typeface="Arial" panose="020B0604020202020204" pitchFamily="34" charset="0"/>
-              <a:buChar char="•"/>
-            </a:pPr>
-            <a:r>
-              <a:rPr lang="ja-JP" altLang="en-US" sz="975" dirty="0">
-                <a:latin typeface="メイリオ" panose="020B0604030504040204" pitchFamily="50" charset="-128"/>
-                <a:ea typeface="メイリオ" panose="020B0604030504040204" pitchFamily="50" charset="-128"/>
-              </a:rPr>
-              <a:t>会社を選んでもらう立場でもあるため、</a:t>
-            </a:r>
-            <a:br>
-              <a:rPr lang="en-US" altLang="ja-JP" sz="975" dirty="0">
-                <a:latin typeface="メイリオ" panose="020B0604030504040204" pitchFamily="50" charset="-128"/>
-                <a:ea typeface="メイリオ" panose="020B0604030504040204" pitchFamily="50" charset="-128"/>
-              </a:rPr>
-            </a:br>
-            <a:r>
-              <a:rPr lang="ja-JP" altLang="en-US" sz="975" dirty="0">
-                <a:latin typeface="メイリオ" panose="020B0604030504040204" pitchFamily="50" charset="-128"/>
-                <a:ea typeface="メイリオ" panose="020B0604030504040204" pitchFamily="50" charset="-128"/>
-              </a:rPr>
-              <a:t>会話の中でさりげなく会社としての魅力をアピール</a:t>
-            </a:r>
-            <a:endParaRPr lang="en-US" altLang="ja-JP" sz="975" dirty="0">
-              <a:latin typeface="メイリオ" panose="020B0604030504040204" pitchFamily="50" charset="-128"/>
-              <a:ea typeface="メイリオ" panose="020B0604030504040204" pitchFamily="50" charset="-128"/>
-            </a:endParaRPr>
-          </a:p>
-          <a:p>
-            <a:pPr marL="139297" indent="-139297">
-              <a:lnSpc>
-                <a:spcPts val="1625"/>
-              </a:lnSpc>
-              <a:buFont typeface="Arial" panose="020B0604020202020204" pitchFamily="34" charset="0"/>
-              <a:buChar char="•"/>
-            </a:pPr>
-            <a:r>
-              <a:rPr lang="ja-JP" altLang="en-US" sz="975" dirty="0">
-                <a:latin typeface="メイリオ" panose="020B0604030504040204" pitchFamily="50" charset="-128"/>
-                <a:ea typeface="メイリオ" panose="020B0604030504040204" pitchFamily="50" charset="-128"/>
-              </a:rPr>
-              <a:t>費用持ち出しを防ぐための最適な契約時期調整</a:t>
-            </a:r>
-            <a:endParaRPr lang="en-US" altLang="ja-JP" sz="975" dirty="0">
-              <a:latin typeface="メイリオ" panose="020B0604030504040204" pitchFamily="50" charset="-128"/>
-              <a:ea typeface="メイリオ" panose="020B0604030504040204" pitchFamily="50" charset="-128"/>
-            </a:endParaRPr>
-          </a:p>
-        </p:txBody>
-      </p:sp>
-      <p:sp>
-        <p:nvSpPr>
-          <p:cNvPr id="52" name="正方形/長方形 51">
-            <a:extLst>
-              <a:ext uri="{FF2B5EF4-FFF2-40B4-BE49-F238E27FC236}">
-                <a16:creationId xmlns:a16="http://schemas.microsoft.com/office/drawing/2014/main" id="{526726B5-F772-4585-99C5-12AA41E5813A}"/>
-              </a:ext>
-            </a:extLst>
-          </p:cNvPr>
-          <p:cNvSpPr/>
-          <p:nvPr/>
-        </p:nvSpPr>
-        <p:spPr>
-          <a:xfrm>
-            <a:off x="6190605" y="4383929"/>
-            <a:ext cx="1831182" cy="297517"/>
-          </a:xfrm>
-          <a:prstGeom prst="rect">
-            <a:avLst/>
-          </a:prstGeom>
-        </p:spPr>
-        <p:txBody>
-          <a:bodyPr wrap="square">
-            <a:spAutoFit/>
-          </a:bodyPr>
-          <a:lstStyle/>
-          <a:p>
-            <a:pPr>
-              <a:lnSpc>
-                <a:spcPts val="1625"/>
-              </a:lnSpc>
-            </a:pPr>
-            <a:r>
-              <a:rPr lang="ja-JP" altLang="en-US" sz="1138" b="1" dirty="0">
-                <a:latin typeface="メイリオ" panose="020B0604030504040204" pitchFamily="50" charset="-128"/>
-                <a:ea typeface="メイリオ" panose="020B0604030504040204" pitchFamily="50" charset="-128"/>
-              </a:rPr>
-              <a:t>心がけていたこと</a:t>
-            </a:r>
-          </a:p>
-        </p:txBody>
-      </p:sp>
-      <p:pic>
-        <p:nvPicPr>
-          <p:cNvPr id="53" name="図 52">
-            <a:extLst>
-              <a:ext uri="{FF2B5EF4-FFF2-40B4-BE49-F238E27FC236}">
-                <a16:creationId xmlns:a16="http://schemas.microsoft.com/office/drawing/2014/main" id="{3A3EEEC2-AF7F-4931-855F-7846D541863E}"/>
-              </a:ext>
-            </a:extLst>
-          </p:cNvPr>
-          <p:cNvPicPr>
-            <a:picLocks noChangeAspect="1"/>
-          </p:cNvPicPr>
-          <p:nvPr/>
-        </p:nvPicPr>
-        <p:blipFill>
-          <a:blip r:embed="rId2">
-            <a:duotone>
-              <a:schemeClr val="accent5">
-                <a:shade val="45000"/>
-                <a:satMod val="135000"/>
-              </a:schemeClr>
-              <a:prstClr val="white"/>
-            </a:duotone>
-          </a:blip>
-          <a:stretch>
-            <a:fillRect/>
-          </a:stretch>
-        </p:blipFill>
-        <p:spPr>
-          <a:xfrm>
-            <a:off x="4461026" y="3808014"/>
-            <a:ext cx="792014" cy="938515"/>
-          </a:xfrm>
-          <a:prstGeom prst="rect">
-            <a:avLst/>
-          </a:prstGeom>
-          <a:solidFill>
-            <a:schemeClr val="tx2">
-              <a:lumMod val="40000"/>
-              <a:lumOff val="60000"/>
-            </a:schemeClr>
-          </a:solidFill>
-        </p:spPr>
-      </p:pic>
-      <p:sp>
-        <p:nvSpPr>
-          <p:cNvPr id="54" name="テキスト ボックス 53">
-            <a:extLst>
-              <a:ext uri="{FF2B5EF4-FFF2-40B4-BE49-F238E27FC236}">
-                <a16:creationId xmlns:a16="http://schemas.microsoft.com/office/drawing/2014/main" id="{31AF2519-F1FC-42E0-A7E1-32E958D4C280}"/>
-              </a:ext>
-            </a:extLst>
-          </p:cNvPr>
-          <p:cNvSpPr txBox="1"/>
-          <p:nvPr/>
-        </p:nvSpPr>
-        <p:spPr>
-          <a:xfrm>
-            <a:off x="4223964" y="4748144"/>
-            <a:ext cx="1297150" cy="242374"/>
-          </a:xfrm>
-          <a:prstGeom prst="rect">
-            <a:avLst/>
-          </a:prstGeom>
-          <a:noFill/>
-        </p:spPr>
-        <p:txBody>
-          <a:bodyPr wrap="none" rtlCol="0">
-            <a:spAutoFit/>
-          </a:bodyPr>
-          <a:lstStyle/>
-          <a:p>
-            <a:r>
-              <a:rPr lang="en-US" altLang="ja-JP" sz="975" dirty="0">
-                <a:latin typeface="メイリオ" panose="020B0604030504040204" pitchFamily="50" charset="-128"/>
-                <a:ea typeface="メイリオ" panose="020B0604030504040204" pitchFamily="50" charset="-128"/>
-              </a:rPr>
-              <a:t>SES</a:t>
-            </a:r>
-            <a:r>
-              <a:rPr lang="ja-JP" altLang="en-US" sz="975" dirty="0">
-                <a:latin typeface="メイリオ" panose="020B0604030504040204" pitchFamily="50" charset="-128"/>
-                <a:ea typeface="メイリオ" panose="020B0604030504040204" pitchFamily="50" charset="-128"/>
-              </a:rPr>
-              <a:t>会社営業担当者</a:t>
-            </a:r>
-          </a:p>
-        </p:txBody>
-      </p:sp>
-      <p:sp>
-        <p:nvSpPr>
-          <p:cNvPr id="55" name="正方形/長方形 54">
-            <a:extLst>
-              <a:ext uri="{FF2B5EF4-FFF2-40B4-BE49-F238E27FC236}">
-                <a16:creationId xmlns:a16="http://schemas.microsoft.com/office/drawing/2014/main" id="{406C47F1-B843-4481-A4A3-DF6CF31B2E9F}"/>
-              </a:ext>
-            </a:extLst>
-          </p:cNvPr>
-          <p:cNvSpPr/>
-          <p:nvPr/>
-        </p:nvSpPr>
-        <p:spPr>
-          <a:xfrm>
-            <a:off x="6220840" y="5996539"/>
-            <a:ext cx="3231952" cy="488916"/>
-          </a:xfrm>
-          <a:prstGeom prst="rect">
-            <a:avLst/>
-          </a:prstGeom>
-        </p:spPr>
-        <p:txBody>
-          <a:bodyPr wrap="square">
-            <a:spAutoFit/>
-          </a:bodyPr>
-          <a:lstStyle/>
-          <a:p>
-            <a:pPr marL="139297" indent="-139297">
-              <a:lnSpc>
-                <a:spcPts val="1625"/>
-              </a:lnSpc>
-              <a:buFont typeface="Arial" panose="020B0604020202020204" pitchFamily="34" charset="0"/>
-              <a:buChar char="•"/>
-            </a:pPr>
-            <a:r>
-              <a:rPr lang="ja-JP" altLang="en-US" sz="975" dirty="0">
-                <a:latin typeface="メイリオ" panose="020B0604030504040204" pitchFamily="50" charset="-128"/>
-                <a:ea typeface="メイリオ" panose="020B0604030504040204" pitchFamily="50" charset="-128"/>
-              </a:rPr>
-              <a:t>年間約</a:t>
-            </a:r>
-            <a:r>
-              <a:rPr lang="en-US" altLang="ja-JP" sz="975" dirty="0">
-                <a:latin typeface="メイリオ" panose="020B0604030504040204" pitchFamily="50" charset="-128"/>
-                <a:ea typeface="メイリオ" panose="020B0604030504040204" pitchFamily="50" charset="-128"/>
-              </a:rPr>
-              <a:t>100</a:t>
-            </a:r>
-            <a:r>
-              <a:rPr lang="ja-JP" altLang="en-US" sz="975" dirty="0">
-                <a:latin typeface="メイリオ" panose="020B0604030504040204" pitchFamily="50" charset="-128"/>
-                <a:ea typeface="メイリオ" panose="020B0604030504040204" pitchFamily="50" charset="-128"/>
-              </a:rPr>
-              <a:t>名の面談（面接）を実施</a:t>
-            </a:r>
-            <a:endParaRPr lang="en-US" altLang="ja-JP" sz="975" dirty="0">
-              <a:latin typeface="メイリオ" panose="020B0604030504040204" pitchFamily="50" charset="-128"/>
-              <a:ea typeface="メイリオ" panose="020B0604030504040204" pitchFamily="50" charset="-128"/>
-            </a:endParaRPr>
-          </a:p>
-          <a:p>
-            <a:pPr marL="139297" indent="-139297">
-              <a:lnSpc>
-                <a:spcPts val="1625"/>
-              </a:lnSpc>
-              <a:buFont typeface="Arial" panose="020B0604020202020204" pitchFamily="34" charset="0"/>
-              <a:buChar char="•"/>
-            </a:pPr>
-            <a:r>
-              <a:rPr lang="ja-JP" altLang="en-US" sz="975" dirty="0">
-                <a:latin typeface="メイリオ" panose="020B0604030504040204" pitchFamily="50" charset="-128"/>
-                <a:ea typeface="メイリオ" panose="020B0604030504040204" pitchFamily="50" charset="-128"/>
-              </a:rPr>
-              <a:t>現場定着率を約</a:t>
-            </a:r>
-            <a:r>
-              <a:rPr lang="en-US" altLang="ja-JP" sz="975" dirty="0">
-                <a:latin typeface="メイリオ" panose="020B0604030504040204" pitchFamily="50" charset="-128"/>
-                <a:ea typeface="メイリオ" panose="020B0604030504040204" pitchFamily="50" charset="-128"/>
-              </a:rPr>
-              <a:t>60</a:t>
-            </a:r>
-            <a:r>
-              <a:rPr lang="ja-JP" altLang="en-US" sz="975" dirty="0">
-                <a:latin typeface="メイリオ" panose="020B0604030504040204" pitchFamily="50" charset="-128"/>
-                <a:ea typeface="メイリオ" panose="020B0604030504040204" pitchFamily="50" charset="-128"/>
-              </a:rPr>
-              <a:t>％⇒</a:t>
-            </a:r>
-            <a:r>
-              <a:rPr lang="en-US" altLang="ja-JP" sz="975" dirty="0">
-                <a:latin typeface="メイリオ" panose="020B0604030504040204" pitchFamily="50" charset="-128"/>
-                <a:ea typeface="メイリオ" panose="020B0604030504040204" pitchFamily="50" charset="-128"/>
-              </a:rPr>
-              <a:t>80</a:t>
-            </a:r>
-            <a:r>
-              <a:rPr lang="ja-JP" altLang="en-US" sz="975" dirty="0">
-                <a:latin typeface="メイリオ" panose="020B0604030504040204" pitchFamily="50" charset="-128"/>
-                <a:ea typeface="メイリオ" panose="020B0604030504040204" pitchFamily="50" charset="-128"/>
-              </a:rPr>
-              <a:t>％へ向上</a:t>
-            </a:r>
-            <a:endParaRPr lang="en-US" altLang="ja-JP" sz="975" dirty="0">
-              <a:latin typeface="メイリオ" panose="020B0604030504040204" pitchFamily="50" charset="-128"/>
-              <a:ea typeface="メイリオ" panose="020B0604030504040204" pitchFamily="50" charset="-128"/>
-            </a:endParaRPr>
-          </a:p>
-        </p:txBody>
-      </p:sp>
-      <p:sp>
-        <p:nvSpPr>
-          <p:cNvPr id="56" name="正方形/長方形 55">
-            <a:extLst>
-              <a:ext uri="{FF2B5EF4-FFF2-40B4-BE49-F238E27FC236}">
-                <a16:creationId xmlns:a16="http://schemas.microsoft.com/office/drawing/2014/main" id="{F93B751C-1419-4861-90A3-CE3DCCA47C86}"/>
-              </a:ext>
-            </a:extLst>
-          </p:cNvPr>
-          <p:cNvSpPr/>
-          <p:nvPr/>
-        </p:nvSpPr>
-        <p:spPr>
-          <a:xfrm>
-            <a:off x="6213698" y="5771406"/>
-            <a:ext cx="1831182" cy="502702"/>
-          </a:xfrm>
-          <a:prstGeom prst="rect">
-            <a:avLst/>
-          </a:prstGeom>
-        </p:spPr>
-        <p:txBody>
-          <a:bodyPr wrap="square">
-            <a:spAutoFit/>
-          </a:bodyPr>
-          <a:lstStyle/>
-          <a:p>
-            <a:pPr>
-              <a:lnSpc>
-                <a:spcPts val="1625"/>
-              </a:lnSpc>
-            </a:pPr>
-            <a:r>
-              <a:rPr lang="ja-JP" altLang="en-US" sz="1138" b="1" dirty="0">
-                <a:latin typeface="メイリオ" panose="020B0604030504040204" pitchFamily="50" charset="-128"/>
-                <a:ea typeface="メイリオ" panose="020B0604030504040204" pitchFamily="50" charset="-128"/>
-              </a:rPr>
-              <a:t>得られた成果</a:t>
-            </a:r>
-            <a:endParaRPr lang="en-US" altLang="ja-JP" sz="1138" b="1" dirty="0">
-              <a:latin typeface="メイリオ" panose="020B0604030504040204" pitchFamily="50" charset="-128"/>
-              <a:ea typeface="メイリオ" panose="020B0604030504040204" pitchFamily="50" charset="-128"/>
-            </a:endParaRPr>
-          </a:p>
-          <a:p>
-            <a:pPr>
-              <a:lnSpc>
-                <a:spcPts val="1625"/>
-              </a:lnSpc>
-            </a:pPr>
-            <a:endParaRPr lang="ja-JP" altLang="en-US" sz="1138" b="1" dirty="0">
-              <a:latin typeface="メイリオ" panose="020B0604030504040204" pitchFamily="50" charset="-128"/>
-              <a:ea typeface="メイリオ" panose="020B0604030504040204" pitchFamily="50" charset="-128"/>
-            </a:endParaRPr>
-          </a:p>
-        </p:txBody>
-      </p:sp>
-      <p:sp>
-        <p:nvSpPr>
-          <p:cNvPr id="23" name="フリーフォーム: 図形 29">
-            <a:extLst>
-              <a:ext uri="{FF2B5EF4-FFF2-40B4-BE49-F238E27FC236}">
-                <a16:creationId xmlns:a16="http://schemas.microsoft.com/office/drawing/2014/main" id="{4F03F15B-A493-4387-8163-4FF654B0AD21}"/>
-              </a:ext>
-            </a:extLst>
-          </p:cNvPr>
-          <p:cNvSpPr/>
-          <p:nvPr/>
-        </p:nvSpPr>
-        <p:spPr bwMode="auto">
-          <a:xfrm flipV="1">
-            <a:off x="376113" y="5455229"/>
-            <a:ext cx="5239595" cy="1171972"/>
-          </a:xfrm>
-          <a:custGeom>
-            <a:avLst/>
-            <a:gdLst>
-              <a:gd name="connsiteX0" fmla="*/ 0 w 4368800"/>
-              <a:gd name="connsiteY0" fmla="*/ 0 h 1587500"/>
-              <a:gd name="connsiteX1" fmla="*/ 0 w 4368800"/>
-              <a:gd name="connsiteY1" fmla="*/ 1587500 h 1587500"/>
-              <a:gd name="connsiteX2" fmla="*/ 4368800 w 4368800"/>
-              <a:gd name="connsiteY2" fmla="*/ 1587500 h 1587500"/>
-            </a:gdLst>
-            <a:ahLst/>
-            <a:cxnLst>
-              <a:cxn ang="0">
-                <a:pos x="connsiteX0" y="connsiteY0"/>
-              </a:cxn>
-              <a:cxn ang="0">
-                <a:pos x="connsiteX1" y="connsiteY1"/>
-              </a:cxn>
-              <a:cxn ang="0">
-                <a:pos x="connsiteX2" y="connsiteY2"/>
-              </a:cxn>
-            </a:cxnLst>
-            <a:rect l="l" t="t" r="r" b="b"/>
-            <a:pathLst>
-              <a:path w="4368800" h="1587500">
-                <a:moveTo>
-                  <a:pt x="0" y="0"/>
-                </a:moveTo>
-                <a:lnTo>
-                  <a:pt x="0" y="1587500"/>
-                </a:lnTo>
-                <a:lnTo>
-                  <a:pt x="4368800" y="1587500"/>
-                </a:lnTo>
-              </a:path>
-            </a:pathLst>
-          </a:custGeom>
-          <a:noFill/>
-          <a:ln w="6350" cap="flat" cmpd="sng" algn="ctr">
-            <a:solidFill>
-              <a:schemeClr val="tx1">
-                <a:lumMod val="75000"/>
-                <a:lumOff val="25000"/>
-              </a:schemeClr>
-            </a:solidFill>
-            <a:prstDash val="sysDash"/>
-            <a:round/>
-            <a:headEnd type="none" w="med" len="med"/>
-            <a:tailEnd type="none" w="med" len="med"/>
-          </a:ln>
-          <a:effectLst/>
-        </p:spPr>
-        <p:txBody>
-          <a:bodyPr anchor="ctr"/>
-          <a:lstStyle/>
-          <a:p>
-            <a:pPr algn="ctr" eaLnBrk="1" hangingPunct="1">
-              <a:defRPr/>
-            </a:pPr>
-            <a:endParaRPr lang="ja-JP" altLang="en-US" sz="1463">
-              <a:latin typeface="Meiryo UI" panose="020B0604030504040204" pitchFamily="50" charset="-128"/>
-              <a:ea typeface="Meiryo UI" panose="020B0604030504040204" pitchFamily="50" charset="-128"/>
-              <a:cs typeface="Meiryo UI" panose="020B0604030504040204" pitchFamily="50" charset="-128"/>
-            </a:endParaRPr>
-          </a:p>
-        </p:txBody>
-      </p:sp>
-      <p:sp>
-        <p:nvSpPr>
-          <p:cNvPr id="24" name="正方形/長方形 23">
-            <a:extLst>
-              <a:ext uri="{FF2B5EF4-FFF2-40B4-BE49-F238E27FC236}">
-                <a16:creationId xmlns:a16="http://schemas.microsoft.com/office/drawing/2014/main" id="{B9CFDF04-A9C5-4BEA-86DE-75A252B3AC29}"/>
-              </a:ext>
-            </a:extLst>
-          </p:cNvPr>
-          <p:cNvSpPr/>
-          <p:nvPr/>
-        </p:nvSpPr>
-        <p:spPr>
-          <a:xfrm>
-            <a:off x="474208" y="5796887"/>
-            <a:ext cx="5250320" cy="694101"/>
-          </a:xfrm>
-          <a:prstGeom prst="rect">
-            <a:avLst/>
-          </a:prstGeom>
-        </p:spPr>
-        <p:txBody>
-          <a:bodyPr wrap="square">
-            <a:spAutoFit/>
-          </a:bodyPr>
-          <a:lstStyle/>
-          <a:p>
-            <a:pPr algn="just">
-              <a:lnSpc>
-                <a:spcPts val="1625"/>
-              </a:lnSpc>
-            </a:pPr>
-            <a:r>
-              <a:rPr lang="ja-JP" altLang="en-US" sz="975" dirty="0">
-                <a:latin typeface="メイリオ" panose="020B0604030504040204" pitchFamily="50" charset="-128"/>
-                <a:ea typeface="メイリオ" panose="020B0604030504040204" pitchFamily="50" charset="-128"/>
-              </a:rPr>
-              <a:t>制作出身者の面接者がおらず、スキルや適性の見極めに課題がある状況だった</a:t>
-            </a:r>
-            <a:endParaRPr lang="en-US" altLang="ja-JP" sz="975" dirty="0">
-              <a:latin typeface="メイリオ" panose="020B0604030504040204" pitchFamily="50" charset="-128"/>
-              <a:ea typeface="メイリオ" panose="020B0604030504040204" pitchFamily="50" charset="-128"/>
-            </a:endParaRPr>
-          </a:p>
-          <a:p>
-            <a:pPr algn="just">
-              <a:lnSpc>
-                <a:spcPts val="1625"/>
-              </a:lnSpc>
-            </a:pPr>
-            <a:r>
-              <a:rPr lang="ja-JP" altLang="en-US" sz="975" dirty="0">
-                <a:latin typeface="メイリオ" panose="020B0604030504040204" pitchFamily="50" charset="-128"/>
-                <a:ea typeface="メイリオ" panose="020B0604030504040204" pitchFamily="50" charset="-128"/>
-              </a:rPr>
-              <a:t>また、顧客および</a:t>
-            </a:r>
-            <a:r>
-              <a:rPr lang="en-US" altLang="ja-JP" sz="975" dirty="0">
-                <a:latin typeface="メイリオ" panose="020B0604030504040204" pitchFamily="50" charset="-128"/>
-                <a:ea typeface="メイリオ" panose="020B0604030504040204" pitchFamily="50" charset="-128"/>
-              </a:rPr>
-              <a:t>SES</a:t>
-            </a:r>
-            <a:r>
-              <a:rPr lang="ja-JP" altLang="en-US" sz="975" dirty="0">
-                <a:latin typeface="メイリオ" panose="020B0604030504040204" pitchFamily="50" charset="-128"/>
-                <a:ea typeface="メイリオ" panose="020B0604030504040204" pitchFamily="50" charset="-128"/>
-              </a:rPr>
-              <a:t>会社とのコミュニケーションが属人化していた状況で、</a:t>
-            </a:r>
-            <a:endParaRPr lang="en-US" altLang="ja-JP" sz="975" dirty="0">
-              <a:latin typeface="メイリオ" panose="020B0604030504040204" pitchFamily="50" charset="-128"/>
-              <a:ea typeface="メイリオ" panose="020B0604030504040204" pitchFamily="50" charset="-128"/>
-            </a:endParaRPr>
-          </a:p>
-          <a:p>
-            <a:pPr algn="just">
-              <a:lnSpc>
-                <a:spcPts val="1625"/>
-              </a:lnSpc>
-            </a:pPr>
-            <a:r>
-              <a:rPr lang="ja-JP" altLang="en-US" sz="975" dirty="0">
-                <a:latin typeface="メイリオ" panose="020B0604030504040204" pitchFamily="50" charset="-128"/>
-                <a:ea typeface="メイリオ" panose="020B0604030504040204" pitchFamily="50" charset="-128"/>
-              </a:rPr>
-              <a:t>役割分担や業務の分配が適正に行われていなかった</a:t>
-            </a:r>
-            <a:endParaRPr lang="en-US" altLang="ja-JP" sz="975" dirty="0">
-              <a:latin typeface="メイリオ" panose="020B0604030504040204" pitchFamily="50" charset="-128"/>
-              <a:ea typeface="メイリオ" panose="020B0604030504040204" pitchFamily="50" charset="-128"/>
-            </a:endParaRPr>
-          </a:p>
-        </p:txBody>
-      </p:sp>
-      <p:sp>
-        <p:nvSpPr>
-          <p:cNvPr id="25" name="正方形/長方形 24">
-            <a:extLst>
-              <a:ext uri="{FF2B5EF4-FFF2-40B4-BE49-F238E27FC236}">
-                <a16:creationId xmlns:a16="http://schemas.microsoft.com/office/drawing/2014/main" id="{2814F287-3D93-468D-8F70-336EB65C9490}"/>
-              </a:ext>
-            </a:extLst>
-          </p:cNvPr>
-          <p:cNvSpPr/>
-          <p:nvPr/>
-        </p:nvSpPr>
-        <p:spPr>
-          <a:xfrm>
-            <a:off x="476301" y="5574541"/>
-            <a:ext cx="1831182" cy="297517"/>
-          </a:xfrm>
-          <a:prstGeom prst="rect">
-            <a:avLst/>
-          </a:prstGeom>
-        </p:spPr>
-        <p:txBody>
-          <a:bodyPr wrap="square">
-            <a:spAutoFit/>
-          </a:bodyPr>
-          <a:lstStyle/>
-          <a:p>
-            <a:pPr algn="just">
-              <a:lnSpc>
-                <a:spcPts val="1625"/>
-              </a:lnSpc>
-            </a:pPr>
-            <a:r>
-              <a:rPr lang="ja-JP" altLang="en-US" sz="1138" b="1" dirty="0">
-                <a:latin typeface="メイリオ" panose="020B0604030504040204" pitchFamily="50" charset="-128"/>
-                <a:ea typeface="メイリオ" panose="020B0604030504040204" pitchFamily="50" charset="-128"/>
-              </a:rPr>
-              <a:t>抱えていた課題</a:t>
-            </a:r>
-          </a:p>
-        </p:txBody>
-      </p:sp>
-    </p:spTree>
-    <p:extLst>
-      <p:ext uri="{BB962C8B-B14F-4D97-AF65-F5344CB8AC3E}">
-        <p14:creationId xmlns:p14="http://schemas.microsoft.com/office/powerpoint/2010/main" val="3851616892"/>
       </p:ext>
     </p:extLst>
   </p:cSld>
@@ -15281,7 +15281,7 @@
                 <a:ea typeface="メイリオ" panose="020B0604030504040204" pitchFamily="50" charset="-128"/>
                 <a:cs typeface="ＭＳ 明朝" panose="02020609040205080304" pitchFamily="17" charset="-128"/>
               </a:rPr>
-              <a:t>2020</a:t>
+              <a:t>2021</a:t>
             </a:r>
             <a:r>
               <a:rPr lang="ja-JP" altLang="ja-JP" kern="100" dirty="0">
@@ -15297,7 +15297,7 @@
                 <a:ea typeface="メイリオ" panose="020B0604030504040204" pitchFamily="50" charset="-128"/>
                 <a:cs typeface="ＭＳ 明朝" panose="02020609040205080304" pitchFamily="17" charset="-128"/>
               </a:rPr>
-              <a:t>11</a:t>
+              <a:t>03</a:t>
             </a:r>
             <a:r>
               <a:rPr lang="ja-JP" altLang="ja-JP" kern="100" dirty="0">
@@ -15599,7 +15599,7 @@
           </a:bodyPr>
           <a:lstStyle/>
           <a:p>
-            <a:pPr marL="285750" indent="-285750" fontAlgn="auto">
+            <a:pPr marL="285750" indent="-285750">
               <a:lnSpc>
                 <a:spcPts val="4000"/>
               </a:lnSpc>
@@ -15607,15 +15607,47 @@
               <a:buChar char="•"/>
             </a:pPr>
             <a:r>
+              <a:rPr lang="en-US" altLang="ja-JP" sz="1500" dirty="0">
+                <a:latin typeface="メイリオ" panose="020B0604030504040204" pitchFamily="50" charset="-128"/>
+                <a:ea typeface="メイリオ" panose="020B0604030504040204" pitchFamily="50" charset="-128"/>
+              </a:rPr>
+              <a:t>SES</a:t>
+            </a:r>
+            <a:r>
               <a:rPr lang="ja-JP" altLang="ja-JP" sz="1500" dirty="0">
                 <a:latin typeface="メイリオ" panose="020B0604030504040204" pitchFamily="50" charset="-128"/>
                 <a:ea typeface="メイリオ" panose="020B0604030504040204" pitchFamily="50" charset="-128"/>
               </a:rPr>
-              <a:t>チームマネジメントにおけるスタッフのメンタルケア、育成スキル</a:t>
-            </a:r>
-          </a:p>
-          <a:p>
-            <a:pPr marL="285750" indent="-285750" fontAlgn="auto">
+              <a:t>面談（</a:t>
+            </a:r>
+            <a:r>
+              <a:rPr lang="en-US" altLang="ja-JP" sz="1500" dirty="0">
+                <a:latin typeface="メイリオ" panose="020B0604030504040204" pitchFamily="50" charset="-128"/>
+                <a:ea typeface="メイリオ" panose="020B0604030504040204" pitchFamily="50" charset="-128"/>
+              </a:rPr>
+              <a:t>100</a:t>
+            </a:r>
+            <a:r>
+              <a:rPr lang="ja-JP" altLang="ja-JP" sz="1500" dirty="0">
+                <a:latin typeface="メイリオ" panose="020B0604030504040204" pitchFamily="50" charset="-128"/>
+                <a:ea typeface="メイリオ" panose="020B0604030504040204" pitchFamily="50" charset="-128"/>
+              </a:rPr>
+              <a:t>名超）および自部門の中途採用面談経験による</a:t>
+            </a:r>
+            <a:r>
+              <a:rPr lang="ja-JP" altLang="en-US" sz="1500" dirty="0">
+                <a:latin typeface="メイリオ" panose="020B0604030504040204" pitchFamily="50" charset="-128"/>
+                <a:ea typeface="メイリオ" panose="020B0604030504040204" pitchFamily="50" charset="-128"/>
+              </a:rPr>
+              <a:t>面接スキル</a:t>
+            </a:r>
+            <a:endParaRPr lang="en-US" altLang="ja-JP" sz="1500" dirty="0">
+              <a:latin typeface="メイリオ" panose="020B0604030504040204" pitchFamily="50" charset="-128"/>
+              <a:ea typeface="メイリオ" panose="020B0604030504040204" pitchFamily="50" charset="-128"/>
+            </a:endParaRPr>
+          </a:p>
+          <a:p>
+            <a:pPr marL="285750" indent="-285750">
               <a:lnSpc>
                 <a:spcPts val="4000"/>
               </a:lnSpc>
@@ -15623,32 +15655,11 @@
               <a:buChar char="•"/>
             </a:pPr>
             <a:r>
-              <a:rPr lang="en-US" altLang="ja-JP" sz="1500" dirty="0">
-                <a:latin typeface="メイリオ" panose="020B0604030504040204" pitchFamily="50" charset="-128"/>
-                <a:ea typeface="メイリオ" panose="020B0604030504040204" pitchFamily="50" charset="-128"/>
-              </a:rPr>
-              <a:t>SES</a:t>
-            </a:r>
-            <a:r>
               <a:rPr lang="ja-JP" altLang="ja-JP" sz="1500" dirty="0">
                 <a:latin typeface="メイリオ" panose="020B0604030504040204" pitchFamily="50" charset="-128"/>
                 <a:ea typeface="メイリオ" panose="020B0604030504040204" pitchFamily="50" charset="-128"/>
               </a:rPr>
-              <a:t>面談（</a:t>
-            </a:r>
-            <a:r>
-              <a:rPr lang="en-US" altLang="ja-JP" sz="1500" dirty="0">
-                <a:latin typeface="メイリオ" panose="020B0604030504040204" pitchFamily="50" charset="-128"/>
-                <a:ea typeface="メイリオ" panose="020B0604030504040204" pitchFamily="50" charset="-128"/>
-              </a:rPr>
-              <a:t>100</a:t>
-            </a:r>
-            <a:r>
-              <a:rPr lang="ja-JP" altLang="ja-JP" sz="1500" dirty="0">
-                <a:latin typeface="メイリオ" panose="020B0604030504040204" pitchFamily="50" charset="-128"/>
-                <a:ea typeface="メイリオ" panose="020B0604030504040204" pitchFamily="50" charset="-128"/>
-              </a:rPr>
-              <a:t>名超）および自部門の中途採用面談経験による人材の目利きスキル</a:t>
+              <a:t>チームマネジメントにおけるスタッフのメンタルケア、育成スキル</a:t>
             </a:r>
           </a:p>
           <a:p>
@@ -16770,7 +16781,7 @@
                 <a:latin typeface="メイリオ" panose="020B0604030504040204" pitchFamily="50" charset="-128"/>
                 <a:ea typeface="メイリオ" panose="020B0604030504040204" pitchFamily="50" charset="-128"/>
               </a:rPr>
-              <a:t>マネジメント実績</a:t>
+              <a:t>採用・マネジメント実績</a:t>
             </a:r>
             <a:endParaRPr lang="en-US" altLang="ja-JP" sz="1600" dirty="0">
               <a:latin typeface="メイリオ" panose="020B0604030504040204" pitchFamily="50" charset="-128"/>
@@ -18254,7 +18265,7 @@
           </a:solidFill>
         </p:spPr>
         <p:txBody>
-          <a:bodyPr wrap="square" lIns="180000" tIns="72000" rIns="180000" bIns="108000">
+          <a:bodyPr wrap="square" lIns="180000" tIns="72000" rIns="180000" bIns="216000">
             <a:spAutoFit/>
           </a:bodyPr>
           <a:lstStyle/>
@@ -18267,6 +18278,14 @@
                 <a:spcPts val="0"/>
               </a:spcAft>
             </a:pPr>
+            <a:r>
+              <a:rPr lang="ja-JP" altLang="en-US" sz="1200" b="1" kern="100" dirty="0">
+                <a:latin typeface="メイリオ" panose="020B0604030504040204" pitchFamily="50" charset="-128"/>
+                <a:ea typeface="メイリオ" panose="020B0604030504040204" pitchFamily="50" charset="-128"/>
+                <a:cs typeface="ＭＳ ゴシック" panose="020B0609070205080204" pitchFamily="49" charset="-128"/>
+              </a:rPr>
+              <a:t>採用、</a:t>
+            </a:r>
             <a:r>
               <a:rPr lang="ja-JP" altLang="ja-JP" sz="1200" b="1" kern="100" dirty="0">
                 <a:latin typeface="メイリオ" panose="020B0604030504040204" pitchFamily="50" charset="-128"/>
@@ -18333,6 +18352,52 @@
               </a:rPr>
               <a:t>新人スタッフ教育</a:t>
             </a:r>
+            <a:r>
+              <a:rPr lang="ja-JP" altLang="en-US" sz="1200" kern="100" dirty="0">
+                <a:latin typeface="メイリオ" panose="020B0604030504040204" pitchFamily="50" charset="-128"/>
+                <a:ea typeface="メイリオ" panose="020B0604030504040204" pitchFamily="50" charset="-128"/>
+                <a:cs typeface="ＭＳ ゴシック" panose="020B0609070205080204" pitchFamily="49" charset="-128"/>
+              </a:rPr>
+              <a:t>、</a:t>
+            </a:r>
+            <a:r>
+              <a:rPr lang="ja-JP" altLang="ja-JP" sz="1200" kern="100" dirty="0">
+                <a:latin typeface="メイリオ" panose="020B0604030504040204" pitchFamily="50" charset="-128"/>
+                <a:ea typeface="メイリオ" panose="020B0604030504040204" pitchFamily="50" charset="-128"/>
+                <a:cs typeface="ＭＳ ゴシック" panose="020B0609070205080204" pitchFamily="49" charset="-128"/>
+              </a:rPr>
+              <a:t>新卒研修</a:t>
+            </a:r>
+            <a:r>
+              <a:rPr lang="ja-JP" altLang="en-US" sz="1200" kern="100" dirty="0">
+                <a:latin typeface="メイリオ" panose="020B0604030504040204" pitchFamily="50" charset="-128"/>
+                <a:ea typeface="メイリオ" panose="020B0604030504040204" pitchFamily="50" charset="-128"/>
+                <a:cs typeface="ＭＳ ゴシック" panose="020B0609070205080204" pitchFamily="49" charset="-128"/>
+              </a:rPr>
+              <a:t>サポート</a:t>
+            </a:r>
+            <a:endParaRPr lang="en-US" altLang="ja-JP" sz="1200" kern="100" dirty="0">
+              <a:latin typeface="メイリオ" panose="020B0604030504040204" pitchFamily="50" charset="-128"/>
+              <a:ea typeface="メイリオ" panose="020B0604030504040204" pitchFamily="50" charset="-128"/>
+              <a:cs typeface="ＭＳ ゴシック" panose="020B0609070205080204" pitchFamily="49" charset="-128"/>
+            </a:endParaRPr>
+          </a:p>
+          <a:p>
+            <a:pPr marL="171450" indent="-171450" algn="just">
+              <a:lnSpc>
+                <a:spcPts val="2600"/>
+              </a:lnSpc>
+              <a:buFont typeface="Arial" panose="020B0604020202020204" pitchFamily="34" charset="0"/>
+              <a:buChar char="•"/>
+            </a:pPr>
+            <a:r>
+              <a:rPr lang="ja-JP" altLang="en-US" sz="1200" kern="100" dirty="0">
+                <a:latin typeface="メイリオ" panose="020B0604030504040204" pitchFamily="50" charset="-128"/>
+                <a:ea typeface="メイリオ" panose="020B0604030504040204" pitchFamily="50" charset="-128"/>
+                <a:cs typeface="ＭＳ ゴシック" panose="020B0609070205080204" pitchFamily="49" charset="-128"/>
+              </a:rPr>
+              <a:t>入社スタッフのマシンキッティング</a:t>
+            </a:r>
             <a:endParaRPr lang="ja-JP" altLang="ja-JP" sz="1200" kern="100" dirty="0">
               <a:latin typeface="メイリオ" panose="020B0604030504040204" pitchFamily="50" charset="-128"/>
               <a:ea typeface="メイリオ" panose="020B0604030504040204" pitchFamily="50" charset="-128"/>
@@ -18432,31 +18497,6 @@
                 <a:cs typeface="ＭＳ ゴシック" panose="020B0609070205080204" pitchFamily="49" charset="-128"/>
               </a:rPr>
               <a:t>マニュアル等各種ドキュメント作成</a:t>
-            </a:r>
-            <a:endParaRPr lang="ja-JP" altLang="ja-JP" sz="1200" kern="100" dirty="0">
-              <a:latin typeface="メイリオ" panose="020B0604030504040204" pitchFamily="50" charset="-128"/>
-              <a:ea typeface="メイリオ" panose="020B0604030504040204" pitchFamily="50" charset="-128"/>
-              <a:cs typeface="Times New Roman" panose="02020603050405020304" pitchFamily="18" charset="0"/>
-            </a:endParaRPr>
-          </a:p>
-          <a:p>
-            <a:pPr marL="171450" indent="-171450" algn="just">
-              <a:lnSpc>
-                <a:spcPts val="2600"/>
-              </a:lnSpc>
-              <a:spcAft>
-                <a:spcPts val="0"/>
-              </a:spcAft>
-              <a:buFont typeface="Arial" panose="020B0604020202020204" pitchFamily="34" charset="0"/>
-              <a:buChar char="•"/>
-            </a:pPr>
-            <a:r>
-              <a:rPr lang="ja-JP" altLang="ja-JP" sz="1200" kern="100" dirty="0">
-                <a:latin typeface="メイリオ" panose="020B0604030504040204" pitchFamily="50" charset="-128"/>
-                <a:ea typeface="メイリオ" panose="020B0604030504040204" pitchFamily="50" charset="-128"/>
-                <a:cs typeface="ＭＳ ゴシック" panose="020B0609070205080204" pitchFamily="49" charset="-128"/>
-              </a:rPr>
-              <a:t>新卒研修へのスポットでの参加</a:t>
             </a:r>
             <a:endParaRPr lang="ja-JP" altLang="ja-JP" sz="1200" kern="100" dirty="0">
               <a:latin typeface="メイリオ" panose="020B0604030504040204" pitchFamily="50" charset="-128"/>
@@ -18812,7 +18852,7 @@
         </p:nvSpPr>
         <p:spPr>
           <a:xfrm>
-            <a:off x="5149272" y="4698142"/>
+            <a:off x="5149272" y="4679670"/>
             <a:ext cx="4432304" cy="1848043"/>
           </a:xfrm>
           <a:prstGeom prst="rect">
@@ -27080,22 +27120,26 @@
   </a:themeElements>
   <a:objectDefaults>
     <a:spDef>
-      <a:spPr/>
-      <a:bodyPr wrap="square">
+      <a:spPr>
+        <a:solidFill>
+          <a:srgbClr val="D9E7FA"/>
+        </a:solidFill>
+      </a:spPr>
+      <a:bodyPr wrap="square" lIns="180000" tIns="72000" rIns="180000" bIns="108000">
         <a:spAutoFit/>
       </a:bodyPr>
       <a:lstStyle>
-        <a:defPPr algn="l">
+        <a:defPPr algn="just">
           <a:lnSpc>
-            <a:spcPts val="2438"/>
+            <a:spcPts val="2600"/>
           </a:lnSpc>
-          <a:defRPr sz="1544" b="1" kern="100" dirty="0" smtClean="0">
-            <a:solidFill>
-              <a:srgbClr val="000000"/>
-            </a:solidFill>
+          <a:spcAft>
+            <a:spcPts val="0"/>
+          </a:spcAft>
+          <a:defRPr sz="1200" b="1" kern="100" dirty="0" smtClean="0">
             <a:latin typeface="メイリオ" panose="020B0604030504040204" pitchFamily="50" charset="-128"/>
             <a:ea typeface="メイリオ" panose="020B0604030504040204" pitchFamily="50" charset="-128"/>
-            <a:cs typeface="Times New Roman" panose="02020603050405020304" pitchFamily="18" charset="0"/>
+            <a:cs typeface="ＭＳ ゴシック" panose="020B0609070205080204" pitchFamily="49" charset="-128"/>
           </a:defRPr>
         </a:defPPr>
       </a:lstStyle>
@@ -27406,15 +27450,6 @@
 </file>
 
 <file path=customXml/item1.xml><?xml version="1.0" encoding="utf-8"?>
-<?mso-contentType ?>
-<FormTemplates xmlns="http://schemas.microsoft.com/sharepoint/v3/contenttype/forms">
-  <Display>DocumentLibraryForm</Display>
-  <Edit>DocumentLibraryForm</Edit>
-  <New>DocumentLibraryForm</New>
-</FormTemplates>
-</file>
-
-<file path=customXml/item2.xml><?xml version="1.0" encoding="utf-8"?>
 <ct:contentTypeSchema xmlns:ct="http://schemas.microsoft.com/office/2006/metadata/contentType" xmlns:ma="http://schemas.microsoft.com/office/2006/metadata/properties/metaAttributes" ct:_="" ma:_="" ma:contentTypeName="ドキュメント" ma:contentTypeID="0x01010034E697B4F18EEE44A15B5C6C38C92815" ma:contentTypeVersion="11" ma:contentTypeDescription="新しいドキュメントを作成します。" ma:contentTypeScope="" ma:versionID="f02169faaebe6f896e6c97b42f8185dd">
   <xsd:schema xmlns:xsd="http://www.w3.org/2001/XMLSchema" xmlns:xs="http://www.w3.org/2001/XMLSchema" xmlns:p="http://schemas.microsoft.com/office/2006/metadata/properties" xmlns:ns1="http://schemas.microsoft.com/sharepoint/v3" xmlns:ns3="83735b65-6140-42df-8261-6373d86f40dd" xmlns:ns4="b35736d5-ed44-4210-a125-aa96e224a98b" targetNamespace="http://schemas.microsoft.com/office/2006/metadata/properties" ma:root="true" ma:fieldsID="4c79d5b265da02c60d48b095568fbe81" ns1:_="" ns3:_="" ns4:_="">
     <xsd:import namespace="http://schemas.microsoft.com/sharepoint/v3"/>
@@ -27628,6 +27663,15 @@
 </ct:contentTypeSchema>
 </file>
 
+<file path=customXml/item2.xml><?xml version="1.0" encoding="utf-8"?>
+<?mso-contentType ?>
+<FormTemplates xmlns="http://schemas.microsoft.com/sharepoint/v3/contenttype/forms">
+  <Display>DocumentLibraryForm</Display>
+  <Edit>DocumentLibraryForm</Edit>
+  <New>DocumentLibraryForm</New>
+</FormTemplates>
+</file>
+
 <file path=customXml/item3.xml><?xml version="1.0" encoding="utf-8"?>
 <p:properties xmlns:p="http://schemas.microsoft.com/office/2006/metadata/properties" xmlns:xsi="http://www.w3.org/2001/XMLSchema-instance" xmlns:pc="http://schemas.microsoft.com/office/infopath/2007/PartnerControls">
   <documentManagement>
@@ -27638,14 +27682,6 @@
 </file>
 
 <file path=customXml/itemProps1.xml><?xml version="1.0" encoding="utf-8"?>
-<ds:datastoreItem xmlns:ds="http://schemas.openxmlformats.org/officeDocument/2006/customXml" ds:itemID="{BFA58EFF-92B7-407B-BCF9-9A910BB1AE2A}">
-  <ds:schemaRefs>
-    <ds:schemaRef ds:uri="http://schemas.microsoft.com/sharepoint/v3/contenttype/forms"/>
-  </ds:schemaRefs>
-</ds:datastoreItem>
-</file>
-
-<file path=customXml/itemProps2.xml><?xml version="1.0" encoding="utf-8"?>
 <ds:datastoreItem xmlns:ds="http://schemas.openxmlformats.org/officeDocument/2006/customXml" ds:itemID="{09E9C5D5-66F7-4CFF-846F-47943B8C0CA8}">
   <ds:schemaRefs>
     <ds:schemaRef ds:uri="http://schemas.microsoft.com/office/2006/metadata/contentType"/>
@@ -27661,6 +27697,14 @@
     <ds:schemaRef ds:uri="http://purl.org/dc/elements/1.1/"/>
     <ds:schemaRef ds:uri="http://purl.org/dc/terms/"/>
     <ds:schemaRef ds:uri="http://schemas.microsoft.com/internal/obd"/>
+  </ds:schemaRefs>
+</ds:datastoreItem>
+</file>
+
+<file path=customXml/itemProps2.xml><?xml version="1.0" encoding="utf-8"?>
+<ds:datastoreItem xmlns:ds="http://schemas.openxmlformats.org/officeDocument/2006/customXml" ds:itemID="{BFA58EFF-92B7-407B-BCF9-9A910BB1AE2A}">
+  <ds:schemaRefs>
+    <ds:schemaRef ds:uri="http://schemas.microsoft.com/sharepoint/v3/contenttype/forms"/>
   </ds:schemaRefs>
 </ds:datastoreItem>
 </file>
